--- a/Presentacion_projecto.pptx
+++ b/Presentacion_projecto.pptx
@@ -9,8 +9,20 @@
     <p:sldId id="257" r:id="rId3"/>
     <p:sldId id="258" r:id="rId4"/>
     <p:sldId id="259" r:id="rId5"/>
-    <p:sldId id="260" r:id="rId6"/>
-    <p:sldId id="261" r:id="rId7"/>
+    <p:sldId id="271" r:id="rId6"/>
+    <p:sldId id="272" r:id="rId7"/>
+    <p:sldId id="273" r:id="rId8"/>
+    <p:sldId id="260" r:id="rId9"/>
+    <p:sldId id="261" r:id="rId10"/>
+    <p:sldId id="262" r:id="rId11"/>
+    <p:sldId id="263" r:id="rId12"/>
+    <p:sldId id="264" r:id="rId13"/>
+    <p:sldId id="265" r:id="rId14"/>
+    <p:sldId id="266" r:id="rId15"/>
+    <p:sldId id="267" r:id="rId16"/>
+    <p:sldId id="268" r:id="rId17"/>
+    <p:sldId id="269" r:id="rId18"/>
+    <p:sldId id="270" r:id="rId19"/>
   </p:sldIdLst>
   <p:sldSz cx="12192000" cy="6858000"/>
   <p:notesSz cx="6858000" cy="9144000"/>
@@ -109,6 +121,11 @@
       </a:defRPr>
     </a:lvl9pPr>
   </p:defaultTextStyle>
+  <p:extLst>
+    <p:ext uri="{EFAFB233-063F-42B5-8137-9DF3F51BA10A}">
+      <p15:sldGuideLst xmlns:p15="http://schemas.microsoft.com/office/powerpoint/2012/main"/>
+    </p:ext>
+  </p:extLst>
 </p:presentation>
 </file>
 
@@ -259,7 +276,7 @@
           <a:p>
             <a:fld id="{0B7BBFDC-1A0D-48FC-8992-8667956A2A06}" type="datetimeFigureOut">
               <a:rPr lang="es-ES" smtClean="0"/>
-              <a:t>12/09/2022</a:t>
+              <a:t>13/09/2022</a:t>
             </a:fld>
             <a:endParaRPr lang="es-ES"/>
           </a:p>
@@ -457,7 +474,7 @@
           <a:p>
             <a:fld id="{0B7BBFDC-1A0D-48FC-8992-8667956A2A06}" type="datetimeFigureOut">
               <a:rPr lang="es-ES" smtClean="0"/>
-              <a:t>12/09/2022</a:t>
+              <a:t>13/09/2022</a:t>
             </a:fld>
             <a:endParaRPr lang="es-ES"/>
           </a:p>
@@ -665,7 +682,7 @@
           <a:p>
             <a:fld id="{0B7BBFDC-1A0D-48FC-8992-8667956A2A06}" type="datetimeFigureOut">
               <a:rPr lang="es-ES" smtClean="0"/>
-              <a:t>12/09/2022</a:t>
+              <a:t>13/09/2022</a:t>
             </a:fld>
             <a:endParaRPr lang="es-ES"/>
           </a:p>
@@ -863,7 +880,7 @@
           <a:p>
             <a:fld id="{0B7BBFDC-1A0D-48FC-8992-8667956A2A06}" type="datetimeFigureOut">
               <a:rPr lang="es-ES" smtClean="0"/>
-              <a:t>12/09/2022</a:t>
+              <a:t>13/09/2022</a:t>
             </a:fld>
             <a:endParaRPr lang="es-ES"/>
           </a:p>
@@ -1138,7 +1155,7 @@
           <a:p>
             <a:fld id="{0B7BBFDC-1A0D-48FC-8992-8667956A2A06}" type="datetimeFigureOut">
               <a:rPr lang="es-ES" smtClean="0"/>
-              <a:t>12/09/2022</a:t>
+              <a:t>13/09/2022</a:t>
             </a:fld>
             <a:endParaRPr lang="es-ES"/>
           </a:p>
@@ -1403,7 +1420,7 @@
           <a:p>
             <a:fld id="{0B7BBFDC-1A0D-48FC-8992-8667956A2A06}" type="datetimeFigureOut">
               <a:rPr lang="es-ES" smtClean="0"/>
-              <a:t>12/09/2022</a:t>
+              <a:t>13/09/2022</a:t>
             </a:fld>
             <a:endParaRPr lang="es-ES"/>
           </a:p>
@@ -1815,7 +1832,7 @@
           <a:p>
             <a:fld id="{0B7BBFDC-1A0D-48FC-8992-8667956A2A06}" type="datetimeFigureOut">
               <a:rPr lang="es-ES" smtClean="0"/>
-              <a:t>12/09/2022</a:t>
+              <a:t>13/09/2022</a:t>
             </a:fld>
             <a:endParaRPr lang="es-ES"/>
           </a:p>
@@ -1956,7 +1973,7 @@
           <a:p>
             <a:fld id="{0B7BBFDC-1A0D-48FC-8992-8667956A2A06}" type="datetimeFigureOut">
               <a:rPr lang="es-ES" smtClean="0"/>
-              <a:t>12/09/2022</a:t>
+              <a:t>13/09/2022</a:t>
             </a:fld>
             <a:endParaRPr lang="es-ES"/>
           </a:p>
@@ -2069,7 +2086,7 @@
           <a:p>
             <a:fld id="{0B7BBFDC-1A0D-48FC-8992-8667956A2A06}" type="datetimeFigureOut">
               <a:rPr lang="es-ES" smtClean="0"/>
-              <a:t>12/09/2022</a:t>
+              <a:t>13/09/2022</a:t>
             </a:fld>
             <a:endParaRPr lang="es-ES"/>
           </a:p>
@@ -2380,7 +2397,7 @@
           <a:p>
             <a:fld id="{0B7BBFDC-1A0D-48FC-8992-8667956A2A06}" type="datetimeFigureOut">
               <a:rPr lang="es-ES" smtClean="0"/>
-              <a:t>12/09/2022</a:t>
+              <a:t>13/09/2022</a:t>
             </a:fld>
             <a:endParaRPr lang="es-ES"/>
           </a:p>
@@ -2668,7 +2685,7 @@
           <a:p>
             <a:fld id="{0B7BBFDC-1A0D-48FC-8992-8667956A2A06}" type="datetimeFigureOut">
               <a:rPr lang="es-ES" smtClean="0"/>
-              <a:t>12/09/2022</a:t>
+              <a:t>13/09/2022</a:t>
             </a:fld>
             <a:endParaRPr lang="es-ES"/>
           </a:p>
@@ -2909,7 +2926,7 @@
           <a:p>
             <a:fld id="{0B7BBFDC-1A0D-48FC-8992-8667956A2A06}" type="datetimeFigureOut">
               <a:rPr lang="es-ES" smtClean="0"/>
-              <a:t>12/09/2022</a:t>
+              <a:t>13/09/2022</a:t>
             </a:fld>
             <a:endParaRPr lang="es-ES"/>
           </a:p>
@@ -3378,37 +3395,26 @@
             <p:ph type="ctrTitle"/>
           </p:nvPr>
         </p:nvSpPr>
-        <p:spPr/>
-        <p:txBody>
-          <a:bodyPr/>
-          <a:lstStyle/>
-          <a:p>
-            <a:endParaRPr lang="es-ES"/>
-          </a:p>
-        </p:txBody>
-      </p:sp>
-      <p:sp>
-        <p:nvSpPr>
-          <p:cNvPr id="3" name="Subtítulo 2">
-            <a:extLst>
-              <a:ext uri="{FF2B5EF4-FFF2-40B4-BE49-F238E27FC236}">
-                <a16:creationId xmlns:a16="http://schemas.microsoft.com/office/drawing/2014/main" id="{3D1FADA0-6344-7D3D-133B-DB4993E314DC}"/>
-              </a:ext>
-            </a:extLst>
-          </p:cNvPr>
-          <p:cNvSpPr>
-            <a:spLocks noGrp="1"/>
-          </p:cNvSpPr>
-          <p:nvPr>
-            <p:ph type="subTitle" idx="1"/>
-          </p:nvPr>
-        </p:nvSpPr>
-        <p:spPr/>
-        <p:txBody>
-          <a:bodyPr/>
-          <a:lstStyle/>
-          <a:p>
-            <a:endParaRPr lang="es-ES"/>
+        <p:spPr>
+          <a:xfrm>
+            <a:off x="1524000" y="1122363"/>
+            <a:ext cx="9144000" cy="4718600"/>
+          </a:xfrm>
+        </p:spPr>
+        <p:txBody>
+          <a:bodyPr>
+            <a:normAutofit/>
+          </a:bodyPr>
+          <a:lstStyle/>
+          <a:p>
+            <a:r>
+              <a:rPr lang="es-ES" sz="6600" dirty="0">
+                <a:solidFill>
+                  <a:schemeClr val="accent1"/>
+                </a:solidFill>
+              </a:rPr>
+              <a:t>EVALUACIÓN Y PREVISIÓN PARA LAS URGENCIAS DE SERVICIOS SOCIALES DEL AYTO. MADRID</a:t>
+            </a:r>
           </a:p>
         </p:txBody>
       </p:sp>
@@ -3416,6 +3422,1234 @@
     <p:extLst>
       <p:ext uri="{BB962C8B-B14F-4D97-AF65-F5344CB8AC3E}">
         <p14:creationId xmlns:p14="http://schemas.microsoft.com/office/powerpoint/2010/main" val="3015702138"/>
+      </p:ext>
+    </p:extLst>
+  </p:cSld>
+  <p:clrMapOvr>
+    <a:masterClrMapping/>
+  </p:clrMapOvr>
+</p:sld>
+</file>
+
+<file path=ppt/slides/slide10.xml><?xml version="1.0" encoding="utf-8"?>
+<p:sld xmlns:a="http://schemas.openxmlformats.org/drawingml/2006/main" xmlns:r="http://schemas.openxmlformats.org/officeDocument/2006/relationships" xmlns:p="http://schemas.openxmlformats.org/presentationml/2006/main">
+  <p:cSld>
+    <p:spTree>
+      <p:nvGrpSpPr>
+        <p:cNvPr id="1" name=""/>
+        <p:cNvGrpSpPr/>
+        <p:nvPr/>
+      </p:nvGrpSpPr>
+      <p:grpSpPr>
+        <a:xfrm>
+          <a:off x="0" y="0"/>
+          <a:ext cx="0" cy="0"/>
+          <a:chOff x="0" y="0"/>
+          <a:chExt cx="0" cy="0"/>
+        </a:xfrm>
+      </p:grpSpPr>
+      <p:pic>
+        <p:nvPicPr>
+          <p:cNvPr id="5" name="Imagen 4">
+            <a:extLst>
+              <a:ext uri="{FF2B5EF4-FFF2-40B4-BE49-F238E27FC236}">
+                <a16:creationId xmlns:a16="http://schemas.microsoft.com/office/drawing/2014/main" id="{6C61C0DD-0517-4BF3-8934-AA022809AFF3}"/>
+              </a:ext>
+            </a:extLst>
+          </p:cNvPr>
+          <p:cNvPicPr>
+            <a:picLocks noChangeAspect="1"/>
+          </p:cNvPicPr>
+          <p:nvPr/>
+        </p:nvPicPr>
+        <p:blipFill>
+          <a:blip r:embed="rId2">
+            <a:extLst>
+              <a:ext uri="{28A0092B-C50C-407E-A947-70E740481C1C}">
+                <a14:useLocalDpi xmlns:a14="http://schemas.microsoft.com/office/drawing/2010/main" val="0"/>
+              </a:ext>
+            </a:extLst>
+          </a:blip>
+          <a:stretch>
+            <a:fillRect/>
+          </a:stretch>
+        </p:blipFill>
+        <p:spPr>
+          <a:xfrm>
+            <a:off x="0" y="0"/>
+            <a:ext cx="12192000" cy="6858000"/>
+          </a:xfrm>
+          <a:prstGeom prst="rect">
+            <a:avLst/>
+          </a:prstGeom>
+        </p:spPr>
+      </p:pic>
+      <p:sp>
+        <p:nvSpPr>
+          <p:cNvPr id="2" name="Título 1">
+            <a:extLst>
+              <a:ext uri="{FF2B5EF4-FFF2-40B4-BE49-F238E27FC236}">
+                <a16:creationId xmlns:a16="http://schemas.microsoft.com/office/drawing/2014/main" id="{60E6DA99-268D-D173-09D5-479E4B6BDFFC}"/>
+              </a:ext>
+            </a:extLst>
+          </p:cNvPr>
+          <p:cNvSpPr>
+            <a:spLocks noGrp="1"/>
+          </p:cNvSpPr>
+          <p:nvPr>
+            <p:ph type="ctrTitle"/>
+          </p:nvPr>
+        </p:nvSpPr>
+        <p:spPr>
+          <a:xfrm>
+            <a:off x="-1" y="711810"/>
+            <a:ext cx="12191999" cy="949033"/>
+          </a:xfrm>
+        </p:spPr>
+        <p:txBody>
+          <a:bodyPr/>
+          <a:lstStyle/>
+          <a:p>
+            <a:r>
+              <a:rPr lang="es-ES" sz="6000" u="sng" dirty="0">
+                <a:solidFill>
+                  <a:schemeClr val="accent1"/>
+                </a:solidFill>
+              </a:rPr>
+              <a:t>MÉTRICAS DE LOS MODELOS</a:t>
+            </a:r>
+            <a:endParaRPr lang="es-ES" dirty="0"/>
+          </a:p>
+        </p:txBody>
+      </p:sp>
+      <p:sp>
+        <p:nvSpPr>
+          <p:cNvPr id="3" name="Subtítulo 2">
+            <a:extLst>
+              <a:ext uri="{FF2B5EF4-FFF2-40B4-BE49-F238E27FC236}">
+                <a16:creationId xmlns:a16="http://schemas.microsoft.com/office/drawing/2014/main" id="{3D1FADA0-6344-7D3D-133B-DB4993E314DC}"/>
+              </a:ext>
+            </a:extLst>
+          </p:cNvPr>
+          <p:cNvSpPr>
+            <a:spLocks noGrp="1"/>
+          </p:cNvSpPr>
+          <p:nvPr>
+            <p:ph type="subTitle" idx="1"/>
+          </p:nvPr>
+        </p:nvSpPr>
+        <p:spPr/>
+        <p:txBody>
+          <a:bodyPr/>
+          <a:lstStyle/>
+          <a:p>
+            <a:endParaRPr lang="es-ES"/>
+          </a:p>
+        </p:txBody>
+      </p:sp>
+    </p:spTree>
+    <p:extLst>
+      <p:ext uri="{BB962C8B-B14F-4D97-AF65-F5344CB8AC3E}">
+        <p14:creationId xmlns:p14="http://schemas.microsoft.com/office/powerpoint/2010/main" val="2394426277"/>
+      </p:ext>
+    </p:extLst>
+  </p:cSld>
+  <p:clrMapOvr>
+    <a:masterClrMapping/>
+  </p:clrMapOvr>
+</p:sld>
+</file>
+
+<file path=ppt/slides/slide11.xml><?xml version="1.0" encoding="utf-8"?>
+<p:sld xmlns:a="http://schemas.openxmlformats.org/drawingml/2006/main" xmlns:r="http://schemas.openxmlformats.org/officeDocument/2006/relationships" xmlns:p="http://schemas.openxmlformats.org/presentationml/2006/main">
+  <p:cSld>
+    <p:spTree>
+      <p:nvGrpSpPr>
+        <p:cNvPr id="1" name=""/>
+        <p:cNvGrpSpPr/>
+        <p:nvPr/>
+      </p:nvGrpSpPr>
+      <p:grpSpPr>
+        <a:xfrm>
+          <a:off x="0" y="0"/>
+          <a:ext cx="0" cy="0"/>
+          <a:chOff x="0" y="0"/>
+          <a:chExt cx="0" cy="0"/>
+        </a:xfrm>
+      </p:grpSpPr>
+      <p:pic>
+        <p:nvPicPr>
+          <p:cNvPr id="5" name="Imagen 4">
+            <a:extLst>
+              <a:ext uri="{FF2B5EF4-FFF2-40B4-BE49-F238E27FC236}">
+                <a16:creationId xmlns:a16="http://schemas.microsoft.com/office/drawing/2014/main" id="{6C61C0DD-0517-4BF3-8934-AA022809AFF3}"/>
+              </a:ext>
+            </a:extLst>
+          </p:cNvPr>
+          <p:cNvPicPr>
+            <a:picLocks noChangeAspect="1"/>
+          </p:cNvPicPr>
+          <p:nvPr/>
+        </p:nvPicPr>
+        <p:blipFill>
+          <a:blip r:embed="rId2">
+            <a:extLst>
+              <a:ext uri="{28A0092B-C50C-407E-A947-70E740481C1C}">
+                <a14:useLocalDpi xmlns:a14="http://schemas.microsoft.com/office/drawing/2010/main" val="0"/>
+              </a:ext>
+            </a:extLst>
+          </a:blip>
+          <a:stretch>
+            <a:fillRect/>
+          </a:stretch>
+        </p:blipFill>
+        <p:spPr>
+          <a:xfrm>
+            <a:off x="0" y="0"/>
+            <a:ext cx="12192000" cy="6858000"/>
+          </a:xfrm>
+          <a:prstGeom prst="rect">
+            <a:avLst/>
+          </a:prstGeom>
+        </p:spPr>
+      </p:pic>
+      <p:sp>
+        <p:nvSpPr>
+          <p:cNvPr id="2" name="Título 1">
+            <a:extLst>
+              <a:ext uri="{FF2B5EF4-FFF2-40B4-BE49-F238E27FC236}">
+                <a16:creationId xmlns:a16="http://schemas.microsoft.com/office/drawing/2014/main" id="{60E6DA99-268D-D173-09D5-479E4B6BDFFC}"/>
+              </a:ext>
+            </a:extLst>
+          </p:cNvPr>
+          <p:cNvSpPr>
+            <a:spLocks noGrp="1"/>
+          </p:cNvSpPr>
+          <p:nvPr>
+            <p:ph type="ctrTitle"/>
+          </p:nvPr>
+        </p:nvSpPr>
+        <p:spPr>
+          <a:xfrm>
+            <a:off x="0" y="711810"/>
+            <a:ext cx="12192000" cy="949033"/>
+          </a:xfrm>
+        </p:spPr>
+        <p:txBody>
+          <a:bodyPr>
+            <a:normAutofit fontScale="90000"/>
+          </a:bodyPr>
+          <a:lstStyle/>
+          <a:p>
+            <a:r>
+              <a:rPr lang="es-ES" sz="6000" u="sng" dirty="0">
+                <a:solidFill>
+                  <a:schemeClr val="accent1"/>
+                </a:solidFill>
+              </a:rPr>
+              <a:t>QUÉ RESULTADOS NOS DAN LOS MODELOS?</a:t>
+            </a:r>
+            <a:endParaRPr lang="es-ES" dirty="0"/>
+          </a:p>
+        </p:txBody>
+      </p:sp>
+      <p:sp>
+        <p:nvSpPr>
+          <p:cNvPr id="3" name="Subtítulo 2">
+            <a:extLst>
+              <a:ext uri="{FF2B5EF4-FFF2-40B4-BE49-F238E27FC236}">
+                <a16:creationId xmlns:a16="http://schemas.microsoft.com/office/drawing/2014/main" id="{3D1FADA0-6344-7D3D-133B-DB4993E314DC}"/>
+              </a:ext>
+            </a:extLst>
+          </p:cNvPr>
+          <p:cNvSpPr>
+            <a:spLocks noGrp="1"/>
+          </p:cNvSpPr>
+          <p:nvPr>
+            <p:ph type="subTitle" idx="1"/>
+          </p:nvPr>
+        </p:nvSpPr>
+        <p:spPr/>
+        <p:txBody>
+          <a:bodyPr/>
+          <a:lstStyle/>
+          <a:p>
+            <a:endParaRPr lang="es-ES"/>
+          </a:p>
+        </p:txBody>
+      </p:sp>
+    </p:spTree>
+    <p:extLst>
+      <p:ext uri="{BB962C8B-B14F-4D97-AF65-F5344CB8AC3E}">
+        <p14:creationId xmlns:p14="http://schemas.microsoft.com/office/powerpoint/2010/main" val="3814889671"/>
+      </p:ext>
+    </p:extLst>
+  </p:cSld>
+  <p:clrMapOvr>
+    <a:masterClrMapping/>
+  </p:clrMapOvr>
+</p:sld>
+</file>
+
+<file path=ppt/slides/slide12.xml><?xml version="1.0" encoding="utf-8"?>
+<p:sld xmlns:a="http://schemas.openxmlformats.org/drawingml/2006/main" xmlns:r="http://schemas.openxmlformats.org/officeDocument/2006/relationships" xmlns:p="http://schemas.openxmlformats.org/presentationml/2006/main">
+  <p:cSld>
+    <p:spTree>
+      <p:nvGrpSpPr>
+        <p:cNvPr id="1" name=""/>
+        <p:cNvGrpSpPr/>
+        <p:nvPr/>
+      </p:nvGrpSpPr>
+      <p:grpSpPr>
+        <a:xfrm>
+          <a:off x="0" y="0"/>
+          <a:ext cx="0" cy="0"/>
+          <a:chOff x="0" y="0"/>
+          <a:chExt cx="0" cy="0"/>
+        </a:xfrm>
+      </p:grpSpPr>
+      <p:pic>
+        <p:nvPicPr>
+          <p:cNvPr id="5" name="Imagen 4">
+            <a:extLst>
+              <a:ext uri="{FF2B5EF4-FFF2-40B4-BE49-F238E27FC236}">
+                <a16:creationId xmlns:a16="http://schemas.microsoft.com/office/drawing/2014/main" id="{6C61C0DD-0517-4BF3-8934-AA022809AFF3}"/>
+              </a:ext>
+            </a:extLst>
+          </p:cNvPr>
+          <p:cNvPicPr>
+            <a:picLocks noChangeAspect="1"/>
+          </p:cNvPicPr>
+          <p:nvPr/>
+        </p:nvPicPr>
+        <p:blipFill>
+          <a:blip r:embed="rId2">
+            <a:extLst>
+              <a:ext uri="{28A0092B-C50C-407E-A947-70E740481C1C}">
+                <a14:useLocalDpi xmlns:a14="http://schemas.microsoft.com/office/drawing/2010/main" val="0"/>
+              </a:ext>
+            </a:extLst>
+          </a:blip>
+          <a:stretch>
+            <a:fillRect/>
+          </a:stretch>
+        </p:blipFill>
+        <p:spPr>
+          <a:xfrm>
+            <a:off x="0" y="0"/>
+            <a:ext cx="12192000" cy="6858000"/>
+          </a:xfrm>
+          <a:prstGeom prst="rect">
+            <a:avLst/>
+          </a:prstGeom>
+        </p:spPr>
+      </p:pic>
+      <p:sp>
+        <p:nvSpPr>
+          <p:cNvPr id="2" name="Título 1">
+            <a:extLst>
+              <a:ext uri="{FF2B5EF4-FFF2-40B4-BE49-F238E27FC236}">
+                <a16:creationId xmlns:a16="http://schemas.microsoft.com/office/drawing/2014/main" id="{60E6DA99-268D-D173-09D5-479E4B6BDFFC}"/>
+              </a:ext>
+            </a:extLst>
+          </p:cNvPr>
+          <p:cNvSpPr>
+            <a:spLocks noGrp="1"/>
+          </p:cNvSpPr>
+          <p:nvPr>
+            <p:ph type="ctrTitle"/>
+          </p:nvPr>
+        </p:nvSpPr>
+        <p:spPr>
+          <a:xfrm>
+            <a:off x="0" y="711810"/>
+            <a:ext cx="12192000" cy="949033"/>
+          </a:xfrm>
+        </p:spPr>
+        <p:txBody>
+          <a:bodyPr>
+            <a:normAutofit fontScale="90000"/>
+          </a:bodyPr>
+          <a:lstStyle/>
+          <a:p>
+            <a:r>
+              <a:rPr lang="es-ES" sz="6000" u="sng" dirty="0">
+                <a:solidFill>
+                  <a:schemeClr val="accent1"/>
+                </a:solidFill>
+              </a:rPr>
+              <a:t>PROBLEMA 2:</a:t>
+            </a:r>
+            <a:br>
+              <a:rPr lang="es-ES" sz="6000" u="sng" dirty="0">
+                <a:solidFill>
+                  <a:schemeClr val="accent1"/>
+                </a:solidFill>
+              </a:rPr>
+            </a:br>
+            <a:r>
+              <a:rPr lang="es-ES" sz="5300" u="sng" dirty="0">
+                <a:solidFill>
+                  <a:schemeClr val="accent1"/>
+                </a:solidFill>
+              </a:rPr>
+              <a:t>QUÉ CONSEGUIMOS DETECTAR/DEFINIR?</a:t>
+            </a:r>
+            <a:endParaRPr lang="es-ES" dirty="0"/>
+          </a:p>
+        </p:txBody>
+      </p:sp>
+      <p:sp>
+        <p:nvSpPr>
+          <p:cNvPr id="3" name="Subtítulo 2">
+            <a:extLst>
+              <a:ext uri="{FF2B5EF4-FFF2-40B4-BE49-F238E27FC236}">
+                <a16:creationId xmlns:a16="http://schemas.microsoft.com/office/drawing/2014/main" id="{3D1FADA0-6344-7D3D-133B-DB4993E314DC}"/>
+              </a:ext>
+            </a:extLst>
+          </p:cNvPr>
+          <p:cNvSpPr>
+            <a:spLocks noGrp="1"/>
+          </p:cNvSpPr>
+          <p:nvPr>
+            <p:ph type="subTitle" idx="1"/>
+          </p:nvPr>
+        </p:nvSpPr>
+        <p:spPr/>
+        <p:txBody>
+          <a:bodyPr/>
+          <a:lstStyle/>
+          <a:p>
+            <a:endParaRPr lang="es-ES"/>
+          </a:p>
+        </p:txBody>
+      </p:sp>
+    </p:spTree>
+    <p:extLst>
+      <p:ext uri="{BB962C8B-B14F-4D97-AF65-F5344CB8AC3E}">
+        <p14:creationId xmlns:p14="http://schemas.microsoft.com/office/powerpoint/2010/main" val="2111300673"/>
+      </p:ext>
+    </p:extLst>
+  </p:cSld>
+  <p:clrMapOvr>
+    <a:masterClrMapping/>
+  </p:clrMapOvr>
+</p:sld>
+</file>
+
+<file path=ppt/slides/slide13.xml><?xml version="1.0" encoding="utf-8"?>
+<p:sld xmlns:a="http://schemas.openxmlformats.org/drawingml/2006/main" xmlns:r="http://schemas.openxmlformats.org/officeDocument/2006/relationships" xmlns:p="http://schemas.openxmlformats.org/presentationml/2006/main">
+  <p:cSld>
+    <p:spTree>
+      <p:nvGrpSpPr>
+        <p:cNvPr id="1" name=""/>
+        <p:cNvGrpSpPr/>
+        <p:nvPr/>
+      </p:nvGrpSpPr>
+      <p:grpSpPr>
+        <a:xfrm>
+          <a:off x="0" y="0"/>
+          <a:ext cx="0" cy="0"/>
+          <a:chOff x="0" y="0"/>
+          <a:chExt cx="0" cy="0"/>
+        </a:xfrm>
+      </p:grpSpPr>
+      <p:pic>
+        <p:nvPicPr>
+          <p:cNvPr id="5" name="Imagen 4">
+            <a:extLst>
+              <a:ext uri="{FF2B5EF4-FFF2-40B4-BE49-F238E27FC236}">
+                <a16:creationId xmlns:a16="http://schemas.microsoft.com/office/drawing/2014/main" id="{6C61C0DD-0517-4BF3-8934-AA022809AFF3}"/>
+              </a:ext>
+            </a:extLst>
+          </p:cNvPr>
+          <p:cNvPicPr>
+            <a:picLocks noChangeAspect="1"/>
+          </p:cNvPicPr>
+          <p:nvPr/>
+        </p:nvPicPr>
+        <p:blipFill>
+          <a:blip r:embed="rId2">
+            <a:extLst>
+              <a:ext uri="{28A0092B-C50C-407E-A947-70E740481C1C}">
+                <a14:useLocalDpi xmlns:a14="http://schemas.microsoft.com/office/drawing/2010/main" val="0"/>
+              </a:ext>
+            </a:extLst>
+          </a:blip>
+          <a:stretch>
+            <a:fillRect/>
+          </a:stretch>
+        </p:blipFill>
+        <p:spPr>
+          <a:xfrm>
+            <a:off x="0" y="0"/>
+            <a:ext cx="12192000" cy="6858000"/>
+          </a:xfrm>
+          <a:prstGeom prst="rect">
+            <a:avLst/>
+          </a:prstGeom>
+        </p:spPr>
+      </p:pic>
+      <p:sp>
+        <p:nvSpPr>
+          <p:cNvPr id="2" name="Título 1">
+            <a:extLst>
+              <a:ext uri="{FF2B5EF4-FFF2-40B4-BE49-F238E27FC236}">
+                <a16:creationId xmlns:a16="http://schemas.microsoft.com/office/drawing/2014/main" id="{60E6DA99-268D-D173-09D5-479E4B6BDFFC}"/>
+              </a:ext>
+            </a:extLst>
+          </p:cNvPr>
+          <p:cNvSpPr>
+            <a:spLocks noGrp="1"/>
+          </p:cNvSpPr>
+          <p:nvPr>
+            <p:ph type="ctrTitle"/>
+          </p:nvPr>
+        </p:nvSpPr>
+        <p:spPr>
+          <a:xfrm>
+            <a:off x="0" y="711810"/>
+            <a:ext cx="12192000" cy="949033"/>
+          </a:xfrm>
+        </p:spPr>
+        <p:txBody>
+          <a:bodyPr>
+            <a:normAutofit/>
+          </a:bodyPr>
+          <a:lstStyle/>
+          <a:p>
+            <a:r>
+              <a:rPr lang="es-ES" sz="6000" u="sng" dirty="0">
+                <a:solidFill>
+                  <a:schemeClr val="accent1"/>
+                </a:solidFill>
+              </a:rPr>
+              <a:t>INTERPRETABILIDAD DEL MODELO</a:t>
+            </a:r>
+            <a:endParaRPr lang="es-ES" dirty="0"/>
+          </a:p>
+        </p:txBody>
+      </p:sp>
+      <p:pic>
+        <p:nvPicPr>
+          <p:cNvPr id="8" name="Imagen 7">
+            <a:extLst>
+              <a:ext uri="{FF2B5EF4-FFF2-40B4-BE49-F238E27FC236}">
+                <a16:creationId xmlns:a16="http://schemas.microsoft.com/office/drawing/2014/main" id="{867C93A4-59B1-C28F-ACBD-C4F0CC354DE3}"/>
+              </a:ext>
+            </a:extLst>
+          </p:cNvPr>
+          <p:cNvPicPr>
+            <a:picLocks noChangeAspect="1"/>
+          </p:cNvPicPr>
+          <p:nvPr/>
+        </p:nvPicPr>
+        <p:blipFill>
+          <a:blip r:embed="rId3">
+            <a:extLst>
+              <a:ext uri="{28A0092B-C50C-407E-A947-70E740481C1C}">
+                <a14:useLocalDpi xmlns:a14="http://schemas.microsoft.com/office/drawing/2010/main" val="0"/>
+              </a:ext>
+            </a:extLst>
+          </a:blip>
+          <a:stretch>
+            <a:fillRect/>
+          </a:stretch>
+        </p:blipFill>
+        <p:spPr>
+          <a:xfrm>
+            <a:off x="2829359" y="2614429"/>
+            <a:ext cx="5917460" cy="3149206"/>
+          </a:xfrm>
+          <a:prstGeom prst="rect">
+            <a:avLst/>
+          </a:prstGeom>
+        </p:spPr>
+      </p:pic>
+      <p:sp>
+        <p:nvSpPr>
+          <p:cNvPr id="9" name="CuadroTexto 8">
+            <a:extLst>
+              <a:ext uri="{FF2B5EF4-FFF2-40B4-BE49-F238E27FC236}">
+                <a16:creationId xmlns:a16="http://schemas.microsoft.com/office/drawing/2014/main" id="{A0CA5603-BCB5-14FB-FD75-F6E14DF32C0B}"/>
+              </a:ext>
+            </a:extLst>
+          </p:cNvPr>
+          <p:cNvSpPr txBox="1"/>
+          <p:nvPr/>
+        </p:nvSpPr>
+        <p:spPr>
+          <a:xfrm>
+            <a:off x="849085" y="1782144"/>
+            <a:ext cx="10263673" cy="830997"/>
+          </a:xfrm>
+          <a:prstGeom prst="rect">
+            <a:avLst/>
+          </a:prstGeom>
+          <a:noFill/>
+        </p:spPr>
+        <p:txBody>
+          <a:bodyPr wrap="square" rtlCol="0">
+            <a:spAutoFit/>
+          </a:bodyPr>
+          <a:lstStyle/>
+          <a:p>
+            <a:r>
+              <a:rPr lang="es-ES" sz="2400" dirty="0"/>
+              <a:t>UTILIZAMOS UN PERMUTATION IMPORTANCE PARA VALORAR LOS FEATURES CON LOS QUE TRABAJAMOS</a:t>
+            </a:r>
+          </a:p>
+        </p:txBody>
+      </p:sp>
+    </p:spTree>
+    <p:extLst>
+      <p:ext uri="{BB962C8B-B14F-4D97-AF65-F5344CB8AC3E}">
+        <p14:creationId xmlns:p14="http://schemas.microsoft.com/office/powerpoint/2010/main" val="4027726222"/>
+      </p:ext>
+    </p:extLst>
+  </p:cSld>
+  <p:clrMapOvr>
+    <a:masterClrMapping/>
+  </p:clrMapOvr>
+</p:sld>
+</file>
+
+<file path=ppt/slides/slide14.xml><?xml version="1.0" encoding="utf-8"?>
+<p:sld xmlns:a="http://schemas.openxmlformats.org/drawingml/2006/main" xmlns:r="http://schemas.openxmlformats.org/officeDocument/2006/relationships" xmlns:p="http://schemas.openxmlformats.org/presentationml/2006/main">
+  <p:cSld>
+    <p:spTree>
+      <p:nvGrpSpPr>
+        <p:cNvPr id="1" name=""/>
+        <p:cNvGrpSpPr/>
+        <p:nvPr/>
+      </p:nvGrpSpPr>
+      <p:grpSpPr>
+        <a:xfrm>
+          <a:off x="0" y="0"/>
+          <a:ext cx="0" cy="0"/>
+          <a:chOff x="0" y="0"/>
+          <a:chExt cx="0" cy="0"/>
+        </a:xfrm>
+      </p:grpSpPr>
+      <p:pic>
+        <p:nvPicPr>
+          <p:cNvPr id="5" name="Imagen 4">
+            <a:extLst>
+              <a:ext uri="{FF2B5EF4-FFF2-40B4-BE49-F238E27FC236}">
+                <a16:creationId xmlns:a16="http://schemas.microsoft.com/office/drawing/2014/main" id="{6C61C0DD-0517-4BF3-8934-AA022809AFF3}"/>
+              </a:ext>
+            </a:extLst>
+          </p:cNvPr>
+          <p:cNvPicPr>
+            <a:picLocks noChangeAspect="1"/>
+          </p:cNvPicPr>
+          <p:nvPr/>
+        </p:nvPicPr>
+        <p:blipFill>
+          <a:blip r:embed="rId2">
+            <a:extLst>
+              <a:ext uri="{28A0092B-C50C-407E-A947-70E740481C1C}">
+                <a14:useLocalDpi xmlns:a14="http://schemas.microsoft.com/office/drawing/2010/main" val="0"/>
+              </a:ext>
+            </a:extLst>
+          </a:blip>
+          <a:stretch>
+            <a:fillRect/>
+          </a:stretch>
+        </p:blipFill>
+        <p:spPr>
+          <a:xfrm>
+            <a:off x="0" y="0"/>
+            <a:ext cx="12192000" cy="6858000"/>
+          </a:xfrm>
+          <a:prstGeom prst="rect">
+            <a:avLst/>
+          </a:prstGeom>
+        </p:spPr>
+      </p:pic>
+      <p:sp>
+        <p:nvSpPr>
+          <p:cNvPr id="2" name="Título 1">
+            <a:extLst>
+              <a:ext uri="{FF2B5EF4-FFF2-40B4-BE49-F238E27FC236}">
+                <a16:creationId xmlns:a16="http://schemas.microsoft.com/office/drawing/2014/main" id="{60E6DA99-268D-D173-09D5-479E4B6BDFFC}"/>
+              </a:ext>
+            </a:extLst>
+          </p:cNvPr>
+          <p:cNvSpPr>
+            <a:spLocks noGrp="1"/>
+          </p:cNvSpPr>
+          <p:nvPr>
+            <p:ph type="ctrTitle"/>
+          </p:nvPr>
+        </p:nvSpPr>
+        <p:spPr>
+          <a:xfrm>
+            <a:off x="1524000" y="711810"/>
+            <a:ext cx="9144000" cy="949033"/>
+          </a:xfrm>
+        </p:spPr>
+        <p:txBody>
+          <a:bodyPr/>
+          <a:lstStyle/>
+          <a:p>
+            <a:r>
+              <a:rPr lang="es-ES" sz="6000" u="sng">
+                <a:solidFill>
+                  <a:schemeClr val="accent1"/>
+                </a:solidFill>
+              </a:rPr>
+              <a:t>CONCLUSIÓN:</a:t>
+            </a:r>
+            <a:endParaRPr lang="es-ES" dirty="0"/>
+          </a:p>
+        </p:txBody>
+      </p:sp>
+      <p:sp>
+        <p:nvSpPr>
+          <p:cNvPr id="3" name="Subtítulo 2">
+            <a:extLst>
+              <a:ext uri="{FF2B5EF4-FFF2-40B4-BE49-F238E27FC236}">
+                <a16:creationId xmlns:a16="http://schemas.microsoft.com/office/drawing/2014/main" id="{3D1FADA0-6344-7D3D-133B-DB4993E314DC}"/>
+              </a:ext>
+            </a:extLst>
+          </p:cNvPr>
+          <p:cNvSpPr>
+            <a:spLocks noGrp="1"/>
+          </p:cNvSpPr>
+          <p:nvPr>
+            <p:ph type="subTitle" idx="1"/>
+          </p:nvPr>
+        </p:nvSpPr>
+        <p:spPr/>
+        <p:txBody>
+          <a:bodyPr/>
+          <a:lstStyle/>
+          <a:p>
+            <a:endParaRPr lang="es-ES"/>
+          </a:p>
+        </p:txBody>
+      </p:sp>
+    </p:spTree>
+    <p:extLst>
+      <p:ext uri="{BB962C8B-B14F-4D97-AF65-F5344CB8AC3E}">
+        <p14:creationId xmlns:p14="http://schemas.microsoft.com/office/powerpoint/2010/main" val="2275160547"/>
+      </p:ext>
+    </p:extLst>
+  </p:cSld>
+  <p:clrMapOvr>
+    <a:masterClrMapping/>
+  </p:clrMapOvr>
+</p:sld>
+</file>
+
+<file path=ppt/slides/slide15.xml><?xml version="1.0" encoding="utf-8"?>
+<p:sld xmlns:a="http://schemas.openxmlformats.org/drawingml/2006/main" xmlns:r="http://schemas.openxmlformats.org/officeDocument/2006/relationships" xmlns:p="http://schemas.openxmlformats.org/presentationml/2006/main">
+  <p:cSld>
+    <p:spTree>
+      <p:nvGrpSpPr>
+        <p:cNvPr id="1" name=""/>
+        <p:cNvGrpSpPr/>
+        <p:nvPr/>
+      </p:nvGrpSpPr>
+      <p:grpSpPr>
+        <a:xfrm>
+          <a:off x="0" y="0"/>
+          <a:ext cx="0" cy="0"/>
+          <a:chOff x="0" y="0"/>
+          <a:chExt cx="0" cy="0"/>
+        </a:xfrm>
+      </p:grpSpPr>
+      <p:pic>
+        <p:nvPicPr>
+          <p:cNvPr id="5" name="Imagen 4">
+            <a:extLst>
+              <a:ext uri="{FF2B5EF4-FFF2-40B4-BE49-F238E27FC236}">
+                <a16:creationId xmlns:a16="http://schemas.microsoft.com/office/drawing/2014/main" id="{6C61C0DD-0517-4BF3-8934-AA022809AFF3}"/>
+              </a:ext>
+            </a:extLst>
+          </p:cNvPr>
+          <p:cNvPicPr>
+            <a:picLocks noChangeAspect="1"/>
+          </p:cNvPicPr>
+          <p:nvPr/>
+        </p:nvPicPr>
+        <p:blipFill>
+          <a:blip r:embed="rId2">
+            <a:extLst>
+              <a:ext uri="{28A0092B-C50C-407E-A947-70E740481C1C}">
+                <a14:useLocalDpi xmlns:a14="http://schemas.microsoft.com/office/drawing/2010/main" val="0"/>
+              </a:ext>
+            </a:extLst>
+          </a:blip>
+          <a:stretch>
+            <a:fillRect/>
+          </a:stretch>
+        </p:blipFill>
+        <p:spPr>
+          <a:xfrm>
+            <a:off x="0" y="0"/>
+            <a:ext cx="12192000" cy="6858000"/>
+          </a:xfrm>
+          <a:prstGeom prst="rect">
+            <a:avLst/>
+          </a:prstGeom>
+        </p:spPr>
+      </p:pic>
+      <p:sp>
+        <p:nvSpPr>
+          <p:cNvPr id="2" name="Título 1">
+            <a:extLst>
+              <a:ext uri="{FF2B5EF4-FFF2-40B4-BE49-F238E27FC236}">
+                <a16:creationId xmlns:a16="http://schemas.microsoft.com/office/drawing/2014/main" id="{60E6DA99-268D-D173-09D5-479E4B6BDFFC}"/>
+              </a:ext>
+            </a:extLst>
+          </p:cNvPr>
+          <p:cNvSpPr>
+            <a:spLocks noGrp="1"/>
+          </p:cNvSpPr>
+          <p:nvPr>
+            <p:ph type="ctrTitle"/>
+          </p:nvPr>
+        </p:nvSpPr>
+        <p:spPr>
+          <a:xfrm>
+            <a:off x="1524000" y="711810"/>
+            <a:ext cx="9144000" cy="949033"/>
+          </a:xfrm>
+        </p:spPr>
+        <p:txBody>
+          <a:bodyPr/>
+          <a:lstStyle/>
+          <a:p>
+            <a:r>
+              <a:rPr lang="es-ES" sz="6000" u="sng" dirty="0">
+                <a:solidFill>
+                  <a:schemeClr val="accent1"/>
+                </a:solidFill>
+              </a:rPr>
+              <a:t>DEFINICIÓN DEL PROBLEMA</a:t>
+            </a:r>
+            <a:endParaRPr lang="es-ES" dirty="0"/>
+          </a:p>
+        </p:txBody>
+      </p:sp>
+      <p:sp>
+        <p:nvSpPr>
+          <p:cNvPr id="3" name="Subtítulo 2">
+            <a:extLst>
+              <a:ext uri="{FF2B5EF4-FFF2-40B4-BE49-F238E27FC236}">
+                <a16:creationId xmlns:a16="http://schemas.microsoft.com/office/drawing/2014/main" id="{3D1FADA0-6344-7D3D-133B-DB4993E314DC}"/>
+              </a:ext>
+            </a:extLst>
+          </p:cNvPr>
+          <p:cNvSpPr>
+            <a:spLocks noGrp="1"/>
+          </p:cNvSpPr>
+          <p:nvPr>
+            <p:ph type="subTitle" idx="1"/>
+          </p:nvPr>
+        </p:nvSpPr>
+        <p:spPr/>
+        <p:txBody>
+          <a:bodyPr/>
+          <a:lstStyle/>
+          <a:p>
+            <a:endParaRPr lang="es-ES"/>
+          </a:p>
+        </p:txBody>
+      </p:sp>
+    </p:spTree>
+    <p:extLst>
+      <p:ext uri="{BB962C8B-B14F-4D97-AF65-F5344CB8AC3E}">
+        <p14:creationId xmlns:p14="http://schemas.microsoft.com/office/powerpoint/2010/main" val="2338893445"/>
+      </p:ext>
+    </p:extLst>
+  </p:cSld>
+  <p:clrMapOvr>
+    <a:masterClrMapping/>
+  </p:clrMapOvr>
+</p:sld>
+</file>
+
+<file path=ppt/slides/slide16.xml><?xml version="1.0" encoding="utf-8"?>
+<p:sld xmlns:a="http://schemas.openxmlformats.org/drawingml/2006/main" xmlns:r="http://schemas.openxmlformats.org/officeDocument/2006/relationships" xmlns:p="http://schemas.openxmlformats.org/presentationml/2006/main">
+  <p:cSld>
+    <p:spTree>
+      <p:nvGrpSpPr>
+        <p:cNvPr id="1" name=""/>
+        <p:cNvGrpSpPr/>
+        <p:nvPr/>
+      </p:nvGrpSpPr>
+      <p:grpSpPr>
+        <a:xfrm>
+          <a:off x="0" y="0"/>
+          <a:ext cx="0" cy="0"/>
+          <a:chOff x="0" y="0"/>
+          <a:chExt cx="0" cy="0"/>
+        </a:xfrm>
+      </p:grpSpPr>
+      <p:pic>
+        <p:nvPicPr>
+          <p:cNvPr id="5" name="Imagen 4">
+            <a:extLst>
+              <a:ext uri="{FF2B5EF4-FFF2-40B4-BE49-F238E27FC236}">
+                <a16:creationId xmlns:a16="http://schemas.microsoft.com/office/drawing/2014/main" id="{6C61C0DD-0517-4BF3-8934-AA022809AFF3}"/>
+              </a:ext>
+            </a:extLst>
+          </p:cNvPr>
+          <p:cNvPicPr>
+            <a:picLocks noChangeAspect="1"/>
+          </p:cNvPicPr>
+          <p:nvPr/>
+        </p:nvPicPr>
+        <p:blipFill>
+          <a:blip r:embed="rId2">
+            <a:extLst>
+              <a:ext uri="{28A0092B-C50C-407E-A947-70E740481C1C}">
+                <a14:useLocalDpi xmlns:a14="http://schemas.microsoft.com/office/drawing/2010/main" val="0"/>
+              </a:ext>
+            </a:extLst>
+          </a:blip>
+          <a:stretch>
+            <a:fillRect/>
+          </a:stretch>
+        </p:blipFill>
+        <p:spPr>
+          <a:xfrm>
+            <a:off x="0" y="0"/>
+            <a:ext cx="12192000" cy="6858000"/>
+          </a:xfrm>
+          <a:prstGeom prst="rect">
+            <a:avLst/>
+          </a:prstGeom>
+        </p:spPr>
+      </p:pic>
+      <p:sp>
+        <p:nvSpPr>
+          <p:cNvPr id="2" name="Título 1">
+            <a:extLst>
+              <a:ext uri="{FF2B5EF4-FFF2-40B4-BE49-F238E27FC236}">
+                <a16:creationId xmlns:a16="http://schemas.microsoft.com/office/drawing/2014/main" id="{60E6DA99-268D-D173-09D5-479E4B6BDFFC}"/>
+              </a:ext>
+            </a:extLst>
+          </p:cNvPr>
+          <p:cNvSpPr>
+            <a:spLocks noGrp="1"/>
+          </p:cNvSpPr>
+          <p:nvPr>
+            <p:ph type="ctrTitle"/>
+          </p:nvPr>
+        </p:nvSpPr>
+        <p:spPr>
+          <a:xfrm>
+            <a:off x="1524000" y="711810"/>
+            <a:ext cx="9144000" cy="949033"/>
+          </a:xfrm>
+        </p:spPr>
+        <p:txBody>
+          <a:bodyPr/>
+          <a:lstStyle/>
+          <a:p>
+            <a:r>
+              <a:rPr lang="es-ES" sz="6000" u="sng" dirty="0">
+                <a:solidFill>
+                  <a:schemeClr val="accent1"/>
+                </a:solidFill>
+              </a:rPr>
+              <a:t>DEFINICIÓN DEL PROBLEMA</a:t>
+            </a:r>
+            <a:endParaRPr lang="es-ES" dirty="0"/>
+          </a:p>
+        </p:txBody>
+      </p:sp>
+      <p:sp>
+        <p:nvSpPr>
+          <p:cNvPr id="3" name="Subtítulo 2">
+            <a:extLst>
+              <a:ext uri="{FF2B5EF4-FFF2-40B4-BE49-F238E27FC236}">
+                <a16:creationId xmlns:a16="http://schemas.microsoft.com/office/drawing/2014/main" id="{3D1FADA0-6344-7D3D-133B-DB4993E314DC}"/>
+              </a:ext>
+            </a:extLst>
+          </p:cNvPr>
+          <p:cNvSpPr>
+            <a:spLocks noGrp="1"/>
+          </p:cNvSpPr>
+          <p:nvPr>
+            <p:ph type="subTitle" idx="1"/>
+          </p:nvPr>
+        </p:nvSpPr>
+        <p:spPr/>
+        <p:txBody>
+          <a:bodyPr/>
+          <a:lstStyle/>
+          <a:p>
+            <a:endParaRPr lang="es-ES"/>
+          </a:p>
+        </p:txBody>
+      </p:sp>
+    </p:spTree>
+    <p:extLst>
+      <p:ext uri="{BB962C8B-B14F-4D97-AF65-F5344CB8AC3E}">
+        <p14:creationId xmlns:p14="http://schemas.microsoft.com/office/powerpoint/2010/main" val="56836272"/>
+      </p:ext>
+    </p:extLst>
+  </p:cSld>
+  <p:clrMapOvr>
+    <a:masterClrMapping/>
+  </p:clrMapOvr>
+</p:sld>
+</file>
+
+<file path=ppt/slides/slide17.xml><?xml version="1.0" encoding="utf-8"?>
+<p:sld xmlns:a="http://schemas.openxmlformats.org/drawingml/2006/main" xmlns:r="http://schemas.openxmlformats.org/officeDocument/2006/relationships" xmlns:p="http://schemas.openxmlformats.org/presentationml/2006/main">
+  <p:cSld>
+    <p:spTree>
+      <p:nvGrpSpPr>
+        <p:cNvPr id="1" name=""/>
+        <p:cNvGrpSpPr/>
+        <p:nvPr/>
+      </p:nvGrpSpPr>
+      <p:grpSpPr>
+        <a:xfrm>
+          <a:off x="0" y="0"/>
+          <a:ext cx="0" cy="0"/>
+          <a:chOff x="0" y="0"/>
+          <a:chExt cx="0" cy="0"/>
+        </a:xfrm>
+      </p:grpSpPr>
+      <p:pic>
+        <p:nvPicPr>
+          <p:cNvPr id="5" name="Imagen 4">
+            <a:extLst>
+              <a:ext uri="{FF2B5EF4-FFF2-40B4-BE49-F238E27FC236}">
+                <a16:creationId xmlns:a16="http://schemas.microsoft.com/office/drawing/2014/main" id="{6C61C0DD-0517-4BF3-8934-AA022809AFF3}"/>
+              </a:ext>
+            </a:extLst>
+          </p:cNvPr>
+          <p:cNvPicPr>
+            <a:picLocks noChangeAspect="1"/>
+          </p:cNvPicPr>
+          <p:nvPr/>
+        </p:nvPicPr>
+        <p:blipFill>
+          <a:blip r:embed="rId2">
+            <a:extLst>
+              <a:ext uri="{28A0092B-C50C-407E-A947-70E740481C1C}">
+                <a14:useLocalDpi xmlns:a14="http://schemas.microsoft.com/office/drawing/2010/main" val="0"/>
+              </a:ext>
+            </a:extLst>
+          </a:blip>
+          <a:stretch>
+            <a:fillRect/>
+          </a:stretch>
+        </p:blipFill>
+        <p:spPr>
+          <a:xfrm>
+            <a:off x="0" y="0"/>
+            <a:ext cx="12192000" cy="6858000"/>
+          </a:xfrm>
+          <a:prstGeom prst="rect">
+            <a:avLst/>
+          </a:prstGeom>
+        </p:spPr>
+      </p:pic>
+      <p:sp>
+        <p:nvSpPr>
+          <p:cNvPr id="2" name="Título 1">
+            <a:extLst>
+              <a:ext uri="{FF2B5EF4-FFF2-40B4-BE49-F238E27FC236}">
+                <a16:creationId xmlns:a16="http://schemas.microsoft.com/office/drawing/2014/main" id="{60E6DA99-268D-D173-09D5-479E4B6BDFFC}"/>
+              </a:ext>
+            </a:extLst>
+          </p:cNvPr>
+          <p:cNvSpPr>
+            <a:spLocks noGrp="1"/>
+          </p:cNvSpPr>
+          <p:nvPr>
+            <p:ph type="ctrTitle"/>
+          </p:nvPr>
+        </p:nvSpPr>
+        <p:spPr>
+          <a:xfrm>
+            <a:off x="1524000" y="711810"/>
+            <a:ext cx="9144000" cy="949033"/>
+          </a:xfrm>
+        </p:spPr>
+        <p:txBody>
+          <a:bodyPr/>
+          <a:lstStyle/>
+          <a:p>
+            <a:r>
+              <a:rPr lang="es-ES" sz="6000" u="sng" dirty="0">
+                <a:solidFill>
+                  <a:schemeClr val="accent1"/>
+                </a:solidFill>
+              </a:rPr>
+              <a:t>DEFINICIÓN DEL PROBLEMA</a:t>
+            </a:r>
+            <a:endParaRPr lang="es-ES" dirty="0"/>
+          </a:p>
+        </p:txBody>
+      </p:sp>
+      <p:sp>
+        <p:nvSpPr>
+          <p:cNvPr id="3" name="Subtítulo 2">
+            <a:extLst>
+              <a:ext uri="{FF2B5EF4-FFF2-40B4-BE49-F238E27FC236}">
+                <a16:creationId xmlns:a16="http://schemas.microsoft.com/office/drawing/2014/main" id="{3D1FADA0-6344-7D3D-133B-DB4993E314DC}"/>
+              </a:ext>
+            </a:extLst>
+          </p:cNvPr>
+          <p:cNvSpPr>
+            <a:spLocks noGrp="1"/>
+          </p:cNvSpPr>
+          <p:nvPr>
+            <p:ph type="subTitle" idx="1"/>
+          </p:nvPr>
+        </p:nvSpPr>
+        <p:spPr/>
+        <p:txBody>
+          <a:bodyPr/>
+          <a:lstStyle/>
+          <a:p>
+            <a:endParaRPr lang="es-ES"/>
+          </a:p>
+        </p:txBody>
+      </p:sp>
+    </p:spTree>
+    <p:extLst>
+      <p:ext uri="{BB962C8B-B14F-4D97-AF65-F5344CB8AC3E}">
+        <p14:creationId xmlns:p14="http://schemas.microsoft.com/office/powerpoint/2010/main" val="208652219"/>
+      </p:ext>
+    </p:extLst>
+  </p:cSld>
+  <p:clrMapOvr>
+    <a:masterClrMapping/>
+  </p:clrMapOvr>
+</p:sld>
+</file>
+
+<file path=ppt/slides/slide18.xml><?xml version="1.0" encoding="utf-8"?>
+<p:sld xmlns:a="http://schemas.openxmlformats.org/drawingml/2006/main" xmlns:r="http://schemas.openxmlformats.org/officeDocument/2006/relationships" xmlns:p="http://schemas.openxmlformats.org/presentationml/2006/main">
+  <p:cSld>
+    <p:spTree>
+      <p:nvGrpSpPr>
+        <p:cNvPr id="1" name=""/>
+        <p:cNvGrpSpPr/>
+        <p:nvPr/>
+      </p:nvGrpSpPr>
+      <p:grpSpPr>
+        <a:xfrm>
+          <a:off x="0" y="0"/>
+          <a:ext cx="0" cy="0"/>
+          <a:chOff x="0" y="0"/>
+          <a:chExt cx="0" cy="0"/>
+        </a:xfrm>
+      </p:grpSpPr>
+      <p:pic>
+        <p:nvPicPr>
+          <p:cNvPr id="5" name="Imagen 4">
+            <a:extLst>
+              <a:ext uri="{FF2B5EF4-FFF2-40B4-BE49-F238E27FC236}">
+                <a16:creationId xmlns:a16="http://schemas.microsoft.com/office/drawing/2014/main" id="{6C61C0DD-0517-4BF3-8934-AA022809AFF3}"/>
+              </a:ext>
+            </a:extLst>
+          </p:cNvPr>
+          <p:cNvPicPr>
+            <a:picLocks noChangeAspect="1"/>
+          </p:cNvPicPr>
+          <p:nvPr/>
+        </p:nvPicPr>
+        <p:blipFill>
+          <a:blip r:embed="rId2">
+            <a:extLst>
+              <a:ext uri="{28A0092B-C50C-407E-A947-70E740481C1C}">
+                <a14:useLocalDpi xmlns:a14="http://schemas.microsoft.com/office/drawing/2010/main" val="0"/>
+              </a:ext>
+            </a:extLst>
+          </a:blip>
+          <a:stretch>
+            <a:fillRect/>
+          </a:stretch>
+        </p:blipFill>
+        <p:spPr>
+          <a:xfrm>
+            <a:off x="0" y="0"/>
+            <a:ext cx="12192000" cy="6858000"/>
+          </a:xfrm>
+          <a:prstGeom prst="rect">
+            <a:avLst/>
+          </a:prstGeom>
+        </p:spPr>
+      </p:pic>
+      <p:sp>
+        <p:nvSpPr>
+          <p:cNvPr id="2" name="Título 1">
+            <a:extLst>
+              <a:ext uri="{FF2B5EF4-FFF2-40B4-BE49-F238E27FC236}">
+                <a16:creationId xmlns:a16="http://schemas.microsoft.com/office/drawing/2014/main" id="{60E6DA99-268D-D173-09D5-479E4B6BDFFC}"/>
+              </a:ext>
+            </a:extLst>
+          </p:cNvPr>
+          <p:cNvSpPr>
+            <a:spLocks noGrp="1"/>
+          </p:cNvSpPr>
+          <p:nvPr>
+            <p:ph type="ctrTitle"/>
+          </p:nvPr>
+        </p:nvSpPr>
+        <p:spPr>
+          <a:xfrm>
+            <a:off x="1524000" y="711810"/>
+            <a:ext cx="9144000" cy="949033"/>
+          </a:xfrm>
+        </p:spPr>
+        <p:txBody>
+          <a:bodyPr/>
+          <a:lstStyle/>
+          <a:p>
+            <a:r>
+              <a:rPr lang="es-ES" sz="6000" u="sng" dirty="0">
+                <a:solidFill>
+                  <a:schemeClr val="accent1"/>
+                </a:solidFill>
+              </a:rPr>
+              <a:t>DEFINICIÓN DEL PROBLEMA</a:t>
+            </a:r>
+            <a:endParaRPr lang="es-ES" dirty="0"/>
+          </a:p>
+        </p:txBody>
+      </p:sp>
+      <p:sp>
+        <p:nvSpPr>
+          <p:cNvPr id="3" name="Subtítulo 2">
+            <a:extLst>
+              <a:ext uri="{FF2B5EF4-FFF2-40B4-BE49-F238E27FC236}">
+                <a16:creationId xmlns:a16="http://schemas.microsoft.com/office/drawing/2014/main" id="{3D1FADA0-6344-7D3D-133B-DB4993E314DC}"/>
+              </a:ext>
+            </a:extLst>
+          </p:cNvPr>
+          <p:cNvSpPr>
+            <a:spLocks noGrp="1"/>
+          </p:cNvSpPr>
+          <p:nvPr>
+            <p:ph type="subTitle" idx="1"/>
+          </p:nvPr>
+        </p:nvSpPr>
+        <p:spPr/>
+        <p:txBody>
+          <a:bodyPr/>
+          <a:lstStyle/>
+          <a:p>
+            <a:endParaRPr lang="es-ES"/>
+          </a:p>
+        </p:txBody>
+      </p:sp>
+    </p:spTree>
+    <p:extLst>
+      <p:ext uri="{BB962C8B-B14F-4D97-AF65-F5344CB8AC3E}">
+        <p14:creationId xmlns:p14="http://schemas.microsoft.com/office/powerpoint/2010/main" val="2707838266"/>
       </p:ext>
     </p:extLst>
   </p:cSld>
@@ -3470,7 +4704,7 @@
         </p:blipFill>
         <p:spPr>
           <a:xfrm>
-            <a:off x="0" y="0"/>
+            <a:off x="0" y="-27993"/>
             <a:ext cx="12192000" cy="6858000"/>
           </a:xfrm>
           <a:prstGeom prst="rect">
@@ -3494,12 +4728,26 @@
             <p:ph type="ctrTitle"/>
           </p:nvPr>
         </p:nvSpPr>
-        <p:spPr/>
-        <p:txBody>
-          <a:bodyPr/>
-          <a:lstStyle/>
-          <a:p>
-            <a:endParaRPr lang="es-ES"/>
+        <p:spPr>
+          <a:xfrm>
+            <a:off x="1524000" y="207961"/>
+            <a:ext cx="9144000" cy="1247613"/>
+          </a:xfrm>
+        </p:spPr>
+        <p:txBody>
+          <a:bodyPr>
+            <a:normAutofit/>
+          </a:bodyPr>
+          <a:lstStyle/>
+          <a:p>
+            <a:r>
+              <a:rPr lang="es-ES" sz="5400" u="sng" dirty="0">
+                <a:solidFill>
+                  <a:schemeClr val="accent1"/>
+                </a:solidFill>
+              </a:rPr>
+              <a:t>DEFINICIÓN DEL PROBLEMA</a:t>
+            </a:r>
           </a:p>
         </p:txBody>
       </p:sp>
@@ -3726,37 +4974,25 @@
             <p:ph type="ctrTitle"/>
           </p:nvPr>
         </p:nvSpPr>
-        <p:spPr/>
-        <p:txBody>
-          <a:bodyPr/>
-          <a:lstStyle/>
-          <a:p>
-            <a:endParaRPr lang="es-ES"/>
-          </a:p>
-        </p:txBody>
-      </p:sp>
-      <p:sp>
-        <p:nvSpPr>
-          <p:cNvPr id="3" name="Subtítulo 2">
-            <a:extLst>
-              <a:ext uri="{FF2B5EF4-FFF2-40B4-BE49-F238E27FC236}">
-                <a16:creationId xmlns:a16="http://schemas.microsoft.com/office/drawing/2014/main" id="{3D1FADA0-6344-7D3D-133B-DB4993E314DC}"/>
-              </a:ext>
-            </a:extLst>
-          </p:cNvPr>
-          <p:cNvSpPr>
-            <a:spLocks noGrp="1"/>
-          </p:cNvSpPr>
-          <p:nvPr>
-            <p:ph type="subTitle" idx="1"/>
-          </p:nvPr>
-        </p:nvSpPr>
-        <p:spPr/>
-        <p:txBody>
-          <a:bodyPr/>
-          <a:lstStyle/>
-          <a:p>
-            <a:endParaRPr lang="es-ES"/>
+        <p:spPr>
+          <a:xfrm>
+            <a:off x="1524000" y="711810"/>
+            <a:ext cx="9144000" cy="949033"/>
+          </a:xfrm>
+        </p:spPr>
+        <p:txBody>
+          <a:bodyPr/>
+          <a:lstStyle/>
+          <a:p>
+            <a:r>
+              <a:rPr lang="es-ES" sz="6000" u="sng" dirty="0">
+                <a:solidFill>
+                  <a:schemeClr val="accent1"/>
+                </a:solidFill>
+              </a:rPr>
+              <a:t>ANÁLISIS DE DATOS</a:t>
+            </a:r>
+            <a:endParaRPr lang="es-ES" dirty="0"/>
           </a:p>
         </p:txBody>
       </p:sp>
@@ -3826,12 +5062,84 @@
           </a:prstGeom>
         </p:spPr>
       </p:pic>
-      <p:sp>
-        <p:nvSpPr>
-          <p:cNvPr id="2" name="Título 1">
-            <a:extLst>
-              <a:ext uri="{FF2B5EF4-FFF2-40B4-BE49-F238E27FC236}">
-                <a16:creationId xmlns:a16="http://schemas.microsoft.com/office/drawing/2014/main" id="{60E6DA99-268D-D173-09D5-479E4B6BDFFC}"/>
+      <p:pic>
+        <p:nvPicPr>
+          <p:cNvPr id="6" name="Imagen 5">
+            <a:extLst>
+              <a:ext uri="{FF2B5EF4-FFF2-40B4-BE49-F238E27FC236}">
+                <a16:creationId xmlns:a16="http://schemas.microsoft.com/office/drawing/2014/main" id="{65A0E63B-C911-945E-1CD6-59A01F8A1937}"/>
+              </a:ext>
+            </a:extLst>
+          </p:cNvPr>
+          <p:cNvPicPr>
+            <a:picLocks noChangeAspect="1"/>
+          </p:cNvPicPr>
+          <p:nvPr/>
+        </p:nvPicPr>
+        <p:blipFill>
+          <a:blip r:embed="rId3">
+            <a:extLst>
+              <a:ext uri="{28A0092B-C50C-407E-A947-70E740481C1C}">
+                <a14:useLocalDpi xmlns:a14="http://schemas.microsoft.com/office/drawing/2010/main" val="0"/>
+              </a:ext>
+            </a:extLst>
+          </a:blip>
+          <a:stretch>
+            <a:fillRect/>
+          </a:stretch>
+        </p:blipFill>
+        <p:spPr>
+          <a:xfrm>
+            <a:off x="233256" y="1651521"/>
+            <a:ext cx="5999594" cy="4476278"/>
+          </a:xfrm>
+          <a:prstGeom prst="rect">
+            <a:avLst/>
+          </a:prstGeom>
+        </p:spPr>
+      </p:pic>
+      <p:pic>
+        <p:nvPicPr>
+          <p:cNvPr id="8" name="Imagen 7">
+            <a:extLst>
+              <a:ext uri="{FF2B5EF4-FFF2-40B4-BE49-F238E27FC236}">
+                <a16:creationId xmlns:a16="http://schemas.microsoft.com/office/drawing/2014/main" id="{AE504491-A7B5-1068-D1F5-4CB775A2E83C}"/>
+              </a:ext>
+            </a:extLst>
+          </p:cNvPr>
+          <p:cNvPicPr>
+            <a:picLocks noChangeAspect="1"/>
+          </p:cNvPicPr>
+          <p:nvPr/>
+        </p:nvPicPr>
+        <p:blipFill>
+          <a:blip r:embed="rId4">
+            <a:extLst>
+              <a:ext uri="{28A0092B-C50C-407E-A947-70E740481C1C}">
+                <a14:useLocalDpi xmlns:a14="http://schemas.microsoft.com/office/drawing/2010/main" val="0"/>
+              </a:ext>
+            </a:extLst>
+          </a:blip>
+          <a:stretch>
+            <a:fillRect/>
+          </a:stretch>
+        </p:blipFill>
+        <p:spPr>
+          <a:xfrm>
+            <a:off x="6519987" y="1660865"/>
+            <a:ext cx="5449159" cy="5038530"/>
+          </a:xfrm>
+          <a:prstGeom prst="rect">
+            <a:avLst/>
+          </a:prstGeom>
+        </p:spPr>
+      </p:pic>
+      <p:sp>
+        <p:nvSpPr>
+          <p:cNvPr id="9" name="Título 1">
+            <a:extLst>
+              <a:ext uri="{FF2B5EF4-FFF2-40B4-BE49-F238E27FC236}">
+                <a16:creationId xmlns:a16="http://schemas.microsoft.com/office/drawing/2014/main" id="{846541F3-5850-230D-09D9-297EF58A6747}"/>
               </a:ext>
             </a:extLst>
           </p:cNvPr>
@@ -3842,44 +5150,34 @@
             <p:ph type="ctrTitle"/>
           </p:nvPr>
         </p:nvSpPr>
-        <p:spPr/>
-        <p:txBody>
-          <a:bodyPr/>
-          <a:lstStyle/>
-          <a:p>
-            <a:endParaRPr lang="es-ES"/>
-          </a:p>
-        </p:txBody>
-      </p:sp>
-      <p:sp>
-        <p:nvSpPr>
-          <p:cNvPr id="3" name="Subtítulo 2">
-            <a:extLst>
-              <a:ext uri="{FF2B5EF4-FFF2-40B4-BE49-F238E27FC236}">
-                <a16:creationId xmlns:a16="http://schemas.microsoft.com/office/drawing/2014/main" id="{3D1FADA0-6344-7D3D-133B-DB4993E314DC}"/>
-              </a:ext>
-            </a:extLst>
-          </p:cNvPr>
-          <p:cNvSpPr>
-            <a:spLocks noGrp="1"/>
-          </p:cNvSpPr>
-          <p:nvPr>
-            <p:ph type="subTitle" idx="1"/>
-          </p:nvPr>
-        </p:nvSpPr>
-        <p:spPr/>
-        <p:txBody>
-          <a:bodyPr/>
-          <a:lstStyle/>
-          <a:p>
-            <a:endParaRPr lang="es-ES"/>
+        <p:spPr>
+          <a:xfrm>
+            <a:off x="-1" y="207954"/>
+            <a:ext cx="12191999" cy="949033"/>
+          </a:xfrm>
+        </p:spPr>
+        <p:txBody>
+          <a:bodyPr>
+            <a:noAutofit/>
+          </a:bodyPr>
+          <a:lstStyle/>
+          <a:p>
+            <a:r>
+              <a:rPr lang="es-ES" sz="4800" u="sng" dirty="0">
+                <a:solidFill>
+                  <a:schemeClr val="accent1"/>
+                </a:solidFill>
+              </a:rPr>
+              <a:t>EVOLUCIÓN DE LA SITUACIÓN EN EL TIEMPO</a:t>
+            </a:r>
+            <a:endParaRPr lang="es-ES" sz="4800" dirty="0"/>
           </a:p>
         </p:txBody>
       </p:sp>
     </p:spTree>
     <p:extLst>
       <p:ext uri="{BB962C8B-B14F-4D97-AF65-F5344CB8AC3E}">
-        <p14:creationId xmlns:p14="http://schemas.microsoft.com/office/powerpoint/2010/main" val="1121659349"/>
+        <p14:creationId xmlns:p14="http://schemas.microsoft.com/office/powerpoint/2010/main" val="681018127"/>
       </p:ext>
     </p:extLst>
   </p:cSld>
@@ -3944,61 +5242,605 @@
       </p:pic>
       <p:sp>
         <p:nvSpPr>
-          <p:cNvPr id="2" name="Título 1">
-            <a:extLst>
-              <a:ext uri="{FF2B5EF4-FFF2-40B4-BE49-F238E27FC236}">
-                <a16:creationId xmlns:a16="http://schemas.microsoft.com/office/drawing/2014/main" id="{60E6DA99-268D-D173-09D5-479E4B6BDFFC}"/>
-              </a:ext>
-            </a:extLst>
-          </p:cNvPr>
-          <p:cNvSpPr>
-            <a:spLocks noGrp="1"/>
-          </p:cNvSpPr>
-          <p:nvPr>
-            <p:ph type="ctrTitle"/>
-          </p:nvPr>
-        </p:nvSpPr>
-        <p:spPr/>
-        <p:txBody>
-          <a:bodyPr/>
-          <a:lstStyle/>
-          <a:p>
-            <a:r>
-              <a:rPr lang="es-ES"/>
-              <a:t>CLASIFICACION DE USUARIOS</a:t>
-            </a:r>
-          </a:p>
-        </p:txBody>
-      </p:sp>
-      <p:sp>
-        <p:nvSpPr>
-          <p:cNvPr id="3" name="Subtítulo 2">
-            <a:extLst>
-              <a:ext uri="{FF2B5EF4-FFF2-40B4-BE49-F238E27FC236}">
-                <a16:creationId xmlns:a16="http://schemas.microsoft.com/office/drawing/2014/main" id="{3D1FADA0-6344-7D3D-133B-DB4993E314DC}"/>
-              </a:ext>
-            </a:extLst>
-          </p:cNvPr>
-          <p:cNvSpPr>
-            <a:spLocks noGrp="1"/>
-          </p:cNvSpPr>
-          <p:nvPr>
-            <p:ph type="subTitle" idx="1"/>
-          </p:nvPr>
-        </p:nvSpPr>
-        <p:spPr/>
-        <p:txBody>
-          <a:bodyPr/>
-          <a:lstStyle/>
-          <a:p>
-            <a:endParaRPr lang="es-ES"/>
-          </a:p>
-        </p:txBody>
-      </p:sp>
+          <p:cNvPr id="6" name="CuadroTexto 5">
+            <a:extLst>
+              <a:ext uri="{FF2B5EF4-FFF2-40B4-BE49-F238E27FC236}">
+                <a16:creationId xmlns:a16="http://schemas.microsoft.com/office/drawing/2014/main" id="{03D9608E-16ED-7E76-1B9C-27E2CFB1B6D3}"/>
+              </a:ext>
+            </a:extLst>
+          </p:cNvPr>
+          <p:cNvSpPr txBox="1"/>
+          <p:nvPr/>
+        </p:nvSpPr>
+        <p:spPr>
+          <a:xfrm>
+            <a:off x="-1" y="790382"/>
+            <a:ext cx="12111135" cy="830997"/>
+          </a:xfrm>
+          <a:prstGeom prst="rect">
+            <a:avLst/>
+          </a:prstGeom>
+          <a:noFill/>
+        </p:spPr>
+        <p:txBody>
+          <a:bodyPr wrap="square">
+            <a:spAutoFit/>
+          </a:bodyPr>
+          <a:lstStyle/>
+          <a:p>
+            <a:pPr algn="ctr"/>
+            <a:r>
+              <a:rPr lang="es-ES" sz="4800" u="sng" dirty="0">
+                <a:solidFill>
+                  <a:schemeClr val="accent1"/>
+                </a:solidFill>
+                <a:latin typeface="+mj-lt"/>
+                <a:ea typeface="+mj-ea"/>
+                <a:cs typeface="+mj-cs"/>
+              </a:rPr>
+              <a:t>EVOLUCIÓN DE LA SITUACIÓN EN EL TIEMPO</a:t>
+            </a:r>
+          </a:p>
+        </p:txBody>
+      </p:sp>
+      <p:pic>
+        <p:nvPicPr>
+          <p:cNvPr id="8" name="Imagen 7">
+            <a:extLst>
+              <a:ext uri="{FF2B5EF4-FFF2-40B4-BE49-F238E27FC236}">
+                <a16:creationId xmlns:a16="http://schemas.microsoft.com/office/drawing/2014/main" id="{F41AA6CC-BB8E-B2C2-48AA-BD4B13D8370E}"/>
+              </a:ext>
+            </a:extLst>
+          </p:cNvPr>
+          <p:cNvPicPr>
+            <a:picLocks noChangeAspect="1"/>
+          </p:cNvPicPr>
+          <p:nvPr/>
+        </p:nvPicPr>
+        <p:blipFill>
+          <a:blip r:embed="rId3">
+            <a:extLst>
+              <a:ext uri="{BEBA8EAE-BF5A-486C-A8C5-ECC9F3942E4B}">
+                <a14:imgProps xmlns:a14="http://schemas.microsoft.com/office/drawing/2010/main">
+                  <a14:imgLayer r:embed="rId4">
+                    <a14:imgEffect>
+                      <a14:saturation sat="101000"/>
+                    </a14:imgEffect>
+                    <a14:imgEffect>
+                      <a14:brightnessContrast bright="1000"/>
+                    </a14:imgEffect>
+                  </a14:imgLayer>
+                </a14:imgProps>
+              </a:ext>
+              <a:ext uri="{28A0092B-C50C-407E-A947-70E740481C1C}">
+                <a14:useLocalDpi xmlns:a14="http://schemas.microsoft.com/office/drawing/2010/main" val="0"/>
+              </a:ext>
+            </a:extLst>
+          </a:blip>
+          <a:stretch>
+            <a:fillRect/>
+          </a:stretch>
+        </p:blipFill>
+        <p:spPr>
+          <a:xfrm>
+            <a:off x="80866" y="54334"/>
+            <a:ext cx="12030268" cy="6803666"/>
+          </a:xfrm>
+          <a:prstGeom prst="rect">
+            <a:avLst/>
+          </a:prstGeom>
+        </p:spPr>
+      </p:pic>
     </p:spTree>
     <p:extLst>
       <p:ext uri="{BB962C8B-B14F-4D97-AF65-F5344CB8AC3E}">
-        <p14:creationId xmlns:p14="http://schemas.microsoft.com/office/powerpoint/2010/main" val="3682050269"/>
+        <p14:creationId xmlns:p14="http://schemas.microsoft.com/office/powerpoint/2010/main" val="871199533"/>
+      </p:ext>
+    </p:extLst>
+  </p:cSld>
+  <p:clrMapOvr>
+    <a:masterClrMapping/>
+  </p:clrMapOvr>
+</p:sld>
+</file>
+
+<file path=ppt/slides/slide7.xml><?xml version="1.0" encoding="utf-8"?>
+<p:sld xmlns:a="http://schemas.openxmlformats.org/drawingml/2006/main" xmlns:r="http://schemas.openxmlformats.org/officeDocument/2006/relationships" xmlns:p="http://schemas.openxmlformats.org/presentationml/2006/main">
+  <p:cSld>
+    <p:spTree>
+      <p:nvGrpSpPr>
+        <p:cNvPr id="1" name=""/>
+        <p:cNvGrpSpPr/>
+        <p:nvPr/>
+      </p:nvGrpSpPr>
+      <p:grpSpPr>
+        <a:xfrm>
+          <a:off x="0" y="0"/>
+          <a:ext cx="0" cy="0"/>
+          <a:chOff x="0" y="0"/>
+          <a:chExt cx="0" cy="0"/>
+        </a:xfrm>
+      </p:grpSpPr>
+      <p:pic>
+        <p:nvPicPr>
+          <p:cNvPr id="5" name="Imagen 4">
+            <a:extLst>
+              <a:ext uri="{FF2B5EF4-FFF2-40B4-BE49-F238E27FC236}">
+                <a16:creationId xmlns:a16="http://schemas.microsoft.com/office/drawing/2014/main" id="{6C61C0DD-0517-4BF3-8934-AA022809AFF3}"/>
+              </a:ext>
+            </a:extLst>
+          </p:cNvPr>
+          <p:cNvPicPr>
+            <a:picLocks noChangeAspect="1"/>
+          </p:cNvPicPr>
+          <p:nvPr/>
+        </p:nvPicPr>
+        <p:blipFill>
+          <a:blip r:embed="rId2">
+            <a:extLst>
+              <a:ext uri="{28A0092B-C50C-407E-A947-70E740481C1C}">
+                <a14:useLocalDpi xmlns:a14="http://schemas.microsoft.com/office/drawing/2010/main" val="0"/>
+              </a:ext>
+            </a:extLst>
+          </a:blip>
+          <a:stretch>
+            <a:fillRect/>
+          </a:stretch>
+        </p:blipFill>
+        <p:spPr>
+          <a:xfrm>
+            <a:off x="0" y="0"/>
+            <a:ext cx="12192000" cy="6858000"/>
+          </a:xfrm>
+          <a:prstGeom prst="rect">
+            <a:avLst/>
+          </a:prstGeom>
+        </p:spPr>
+      </p:pic>
+      <p:pic>
+        <p:nvPicPr>
+          <p:cNvPr id="6" name="Imagen 5">
+            <a:extLst>
+              <a:ext uri="{FF2B5EF4-FFF2-40B4-BE49-F238E27FC236}">
+                <a16:creationId xmlns:a16="http://schemas.microsoft.com/office/drawing/2014/main" id="{BF9794A5-87DD-C04A-6DD6-2C10A1CFCA82}"/>
+              </a:ext>
+            </a:extLst>
+          </p:cNvPr>
+          <p:cNvPicPr>
+            <a:picLocks noChangeAspect="1"/>
+          </p:cNvPicPr>
+          <p:nvPr/>
+        </p:nvPicPr>
+        <p:blipFill>
+          <a:blip r:embed="rId3">
+            <a:extLst>
+              <a:ext uri="{28A0092B-C50C-407E-A947-70E740481C1C}">
+                <a14:useLocalDpi xmlns:a14="http://schemas.microsoft.com/office/drawing/2010/main" val="0"/>
+              </a:ext>
+            </a:extLst>
+          </a:blip>
+          <a:stretch>
+            <a:fillRect/>
+          </a:stretch>
+        </p:blipFill>
+        <p:spPr>
+          <a:xfrm>
+            <a:off x="126272" y="1679507"/>
+            <a:ext cx="6065449" cy="4568007"/>
+          </a:xfrm>
+          <a:prstGeom prst="rect">
+            <a:avLst/>
+          </a:prstGeom>
+        </p:spPr>
+      </p:pic>
+      <p:pic>
+        <p:nvPicPr>
+          <p:cNvPr id="8" name="Imagen 7">
+            <a:extLst>
+              <a:ext uri="{FF2B5EF4-FFF2-40B4-BE49-F238E27FC236}">
+                <a16:creationId xmlns:a16="http://schemas.microsoft.com/office/drawing/2014/main" id="{F52FA170-1D25-D653-6BCB-85AD0907732F}"/>
+              </a:ext>
+            </a:extLst>
+          </p:cNvPr>
+          <p:cNvPicPr>
+            <a:picLocks noChangeAspect="1"/>
+          </p:cNvPicPr>
+          <p:nvPr/>
+        </p:nvPicPr>
+        <p:blipFill>
+          <a:blip r:embed="rId4">
+            <a:extLst>
+              <a:ext uri="{28A0092B-C50C-407E-A947-70E740481C1C}">
+                <a14:useLocalDpi xmlns:a14="http://schemas.microsoft.com/office/drawing/2010/main" val="0"/>
+              </a:ext>
+            </a:extLst>
+          </a:blip>
+          <a:stretch>
+            <a:fillRect/>
+          </a:stretch>
+        </p:blipFill>
+        <p:spPr>
+          <a:xfrm>
+            <a:off x="6481230" y="1319608"/>
+            <a:ext cx="5584499" cy="5417798"/>
+          </a:xfrm>
+          <a:prstGeom prst="rect">
+            <a:avLst/>
+          </a:prstGeom>
+        </p:spPr>
+      </p:pic>
+      <p:sp>
+        <p:nvSpPr>
+          <p:cNvPr id="9" name="Título 1">
+            <a:extLst>
+              <a:ext uri="{FF2B5EF4-FFF2-40B4-BE49-F238E27FC236}">
+                <a16:creationId xmlns:a16="http://schemas.microsoft.com/office/drawing/2014/main" id="{1B4F055F-62DE-6063-1493-88EF72CAD110}"/>
+              </a:ext>
+            </a:extLst>
+          </p:cNvPr>
+          <p:cNvSpPr>
+            <a:spLocks noGrp="1"/>
+          </p:cNvSpPr>
+          <p:nvPr>
+            <p:ph type="ctrTitle"/>
+          </p:nvPr>
+        </p:nvSpPr>
+        <p:spPr>
+          <a:xfrm>
+            <a:off x="-1" y="207954"/>
+            <a:ext cx="12191999" cy="949033"/>
+          </a:xfrm>
+        </p:spPr>
+        <p:txBody>
+          <a:bodyPr>
+            <a:noAutofit/>
+          </a:bodyPr>
+          <a:lstStyle/>
+          <a:p>
+            <a:r>
+              <a:rPr lang="es-ES" sz="4800" u="sng" dirty="0">
+                <a:solidFill>
+                  <a:schemeClr val="accent1"/>
+                </a:solidFill>
+              </a:rPr>
+              <a:t>ANÁLISIS DE FEATURES</a:t>
+            </a:r>
+            <a:endParaRPr lang="es-ES" sz="4800" dirty="0"/>
+          </a:p>
+        </p:txBody>
+      </p:sp>
+    </p:spTree>
+    <p:extLst>
+      <p:ext uri="{BB962C8B-B14F-4D97-AF65-F5344CB8AC3E}">
+        <p14:creationId xmlns:p14="http://schemas.microsoft.com/office/powerpoint/2010/main" val="2165677287"/>
+      </p:ext>
+    </p:extLst>
+  </p:cSld>
+  <p:clrMapOvr>
+    <a:masterClrMapping/>
+  </p:clrMapOvr>
+</p:sld>
+</file>
+
+<file path=ppt/slides/slide8.xml><?xml version="1.0" encoding="utf-8"?>
+<p:sld xmlns:a="http://schemas.openxmlformats.org/drawingml/2006/main" xmlns:r="http://schemas.openxmlformats.org/officeDocument/2006/relationships" xmlns:p="http://schemas.openxmlformats.org/presentationml/2006/main">
+  <p:cSld>
+    <p:spTree>
+      <p:nvGrpSpPr>
+        <p:cNvPr id="1" name=""/>
+        <p:cNvGrpSpPr/>
+        <p:nvPr/>
+      </p:nvGrpSpPr>
+      <p:grpSpPr>
+        <a:xfrm>
+          <a:off x="0" y="0"/>
+          <a:ext cx="0" cy="0"/>
+          <a:chOff x="0" y="0"/>
+          <a:chExt cx="0" cy="0"/>
+        </a:xfrm>
+      </p:grpSpPr>
+      <p:pic>
+        <p:nvPicPr>
+          <p:cNvPr id="5" name="Imagen 4">
+            <a:extLst>
+              <a:ext uri="{FF2B5EF4-FFF2-40B4-BE49-F238E27FC236}">
+                <a16:creationId xmlns:a16="http://schemas.microsoft.com/office/drawing/2014/main" id="{6C61C0DD-0517-4BF3-8934-AA022809AFF3}"/>
+              </a:ext>
+            </a:extLst>
+          </p:cNvPr>
+          <p:cNvPicPr>
+            <a:picLocks noChangeAspect="1"/>
+          </p:cNvPicPr>
+          <p:nvPr/>
+        </p:nvPicPr>
+        <p:blipFill>
+          <a:blip r:embed="rId2">
+            <a:extLst>
+              <a:ext uri="{28A0092B-C50C-407E-A947-70E740481C1C}">
+                <a14:useLocalDpi xmlns:a14="http://schemas.microsoft.com/office/drawing/2010/main" val="0"/>
+              </a:ext>
+            </a:extLst>
+          </a:blip>
+          <a:stretch>
+            <a:fillRect/>
+          </a:stretch>
+        </p:blipFill>
+        <p:spPr>
+          <a:xfrm>
+            <a:off x="0" y="0"/>
+            <a:ext cx="12192000" cy="6858000"/>
+          </a:xfrm>
+          <a:prstGeom prst="rect">
+            <a:avLst/>
+          </a:prstGeom>
+        </p:spPr>
+      </p:pic>
+      <p:sp>
+        <p:nvSpPr>
+          <p:cNvPr id="2" name="Título 1">
+            <a:extLst>
+              <a:ext uri="{FF2B5EF4-FFF2-40B4-BE49-F238E27FC236}">
+                <a16:creationId xmlns:a16="http://schemas.microsoft.com/office/drawing/2014/main" id="{60E6DA99-268D-D173-09D5-479E4B6BDFFC}"/>
+              </a:ext>
+            </a:extLst>
+          </p:cNvPr>
+          <p:cNvSpPr>
+            <a:spLocks noGrp="1"/>
+          </p:cNvSpPr>
+          <p:nvPr>
+            <p:ph type="ctrTitle"/>
+          </p:nvPr>
+        </p:nvSpPr>
+        <p:spPr>
+          <a:xfrm>
+            <a:off x="1524000" y="711810"/>
+            <a:ext cx="9144000" cy="949033"/>
+          </a:xfrm>
+        </p:spPr>
+        <p:txBody>
+          <a:bodyPr>
+            <a:normAutofit fontScale="90000"/>
+          </a:bodyPr>
+          <a:lstStyle/>
+          <a:p>
+            <a:r>
+              <a:rPr lang="es-ES" sz="6000" u="sng" dirty="0">
+                <a:solidFill>
+                  <a:schemeClr val="accent1"/>
+                </a:solidFill>
+              </a:rPr>
+              <a:t>PROBLEMA 1:</a:t>
+            </a:r>
+            <a:br>
+              <a:rPr lang="es-ES" sz="6000" u="sng" dirty="0">
+                <a:solidFill>
+                  <a:schemeClr val="accent1"/>
+                </a:solidFill>
+              </a:rPr>
+            </a:br>
+            <a:r>
+              <a:rPr lang="es-ES" sz="5300" u="sng" dirty="0">
+                <a:solidFill>
+                  <a:schemeClr val="accent1"/>
+                </a:solidFill>
+              </a:rPr>
+              <a:t>ES POSIBLE PREDECIR EL FUTURO?</a:t>
+            </a:r>
+            <a:endParaRPr lang="es-ES" dirty="0"/>
+          </a:p>
+        </p:txBody>
+      </p:sp>
+      <p:sp>
+        <p:nvSpPr>
+          <p:cNvPr id="3" name="Subtítulo 2">
+            <a:extLst>
+              <a:ext uri="{FF2B5EF4-FFF2-40B4-BE49-F238E27FC236}">
+                <a16:creationId xmlns:a16="http://schemas.microsoft.com/office/drawing/2014/main" id="{3D1FADA0-6344-7D3D-133B-DB4993E314DC}"/>
+              </a:ext>
+            </a:extLst>
+          </p:cNvPr>
+          <p:cNvSpPr>
+            <a:spLocks noGrp="1"/>
+          </p:cNvSpPr>
+          <p:nvPr>
+            <p:ph type="subTitle" idx="1"/>
+          </p:nvPr>
+        </p:nvSpPr>
+        <p:spPr/>
+        <p:txBody>
+          <a:bodyPr/>
+          <a:lstStyle/>
+          <a:p>
+            <a:endParaRPr lang="es-ES"/>
+          </a:p>
+        </p:txBody>
+      </p:sp>
+    </p:spTree>
+    <p:extLst>
+      <p:ext uri="{BB962C8B-B14F-4D97-AF65-F5344CB8AC3E}">
+        <p14:creationId xmlns:p14="http://schemas.microsoft.com/office/powerpoint/2010/main" val="2935917630"/>
+      </p:ext>
+    </p:extLst>
+  </p:cSld>
+  <p:clrMapOvr>
+    <a:masterClrMapping/>
+  </p:clrMapOvr>
+</p:sld>
+</file>
+
+<file path=ppt/slides/slide9.xml><?xml version="1.0" encoding="utf-8"?>
+<p:sld xmlns:a="http://schemas.openxmlformats.org/drawingml/2006/main" xmlns:r="http://schemas.openxmlformats.org/officeDocument/2006/relationships" xmlns:p="http://schemas.openxmlformats.org/presentationml/2006/main">
+  <p:cSld>
+    <p:spTree>
+      <p:nvGrpSpPr>
+        <p:cNvPr id="1" name=""/>
+        <p:cNvGrpSpPr/>
+        <p:nvPr/>
+      </p:nvGrpSpPr>
+      <p:grpSpPr>
+        <a:xfrm>
+          <a:off x="0" y="0"/>
+          <a:ext cx="0" cy="0"/>
+          <a:chOff x="0" y="0"/>
+          <a:chExt cx="0" cy="0"/>
+        </a:xfrm>
+      </p:grpSpPr>
+      <p:pic>
+        <p:nvPicPr>
+          <p:cNvPr id="5" name="Imagen 4">
+            <a:extLst>
+              <a:ext uri="{FF2B5EF4-FFF2-40B4-BE49-F238E27FC236}">
+                <a16:creationId xmlns:a16="http://schemas.microsoft.com/office/drawing/2014/main" id="{6C61C0DD-0517-4BF3-8934-AA022809AFF3}"/>
+              </a:ext>
+            </a:extLst>
+          </p:cNvPr>
+          <p:cNvPicPr>
+            <a:picLocks noChangeAspect="1"/>
+          </p:cNvPicPr>
+          <p:nvPr/>
+        </p:nvPicPr>
+        <p:blipFill>
+          <a:blip r:embed="rId2">
+            <a:extLst>
+              <a:ext uri="{28A0092B-C50C-407E-A947-70E740481C1C}">
+                <a14:useLocalDpi xmlns:a14="http://schemas.microsoft.com/office/drawing/2010/main" val="0"/>
+              </a:ext>
+            </a:extLst>
+          </a:blip>
+          <a:stretch>
+            <a:fillRect/>
+          </a:stretch>
+        </p:blipFill>
+        <p:spPr>
+          <a:xfrm>
+            <a:off x="0" y="0"/>
+            <a:ext cx="12192000" cy="6858000"/>
+          </a:xfrm>
+          <a:prstGeom prst="rect">
+            <a:avLst/>
+          </a:prstGeom>
+        </p:spPr>
+      </p:pic>
+      <p:sp>
+        <p:nvSpPr>
+          <p:cNvPr id="2" name="Título 1">
+            <a:extLst>
+              <a:ext uri="{FF2B5EF4-FFF2-40B4-BE49-F238E27FC236}">
+                <a16:creationId xmlns:a16="http://schemas.microsoft.com/office/drawing/2014/main" id="{60E6DA99-268D-D173-09D5-479E4B6BDFFC}"/>
+              </a:ext>
+            </a:extLst>
+          </p:cNvPr>
+          <p:cNvSpPr>
+            <a:spLocks noGrp="1"/>
+          </p:cNvSpPr>
+          <p:nvPr>
+            <p:ph type="ctrTitle"/>
+          </p:nvPr>
+        </p:nvSpPr>
+        <p:spPr>
+          <a:xfrm>
+            <a:off x="0" y="711810"/>
+            <a:ext cx="12191999" cy="949033"/>
+          </a:xfrm>
+        </p:spPr>
+        <p:txBody>
+          <a:bodyPr>
+            <a:normAutofit/>
+          </a:bodyPr>
+          <a:lstStyle/>
+          <a:p>
+            <a:r>
+              <a:rPr lang="es-ES" u="sng" dirty="0">
+                <a:solidFill>
+                  <a:schemeClr val="accent1"/>
+                </a:solidFill>
+              </a:rPr>
+              <a:t>QUE HACER CON EL DESBALANCEO</a:t>
+            </a:r>
+            <a:endParaRPr lang="es-ES" dirty="0"/>
+          </a:p>
+        </p:txBody>
+      </p:sp>
+      <p:sp>
+        <p:nvSpPr>
+          <p:cNvPr id="3" name="Subtítulo 2">
+            <a:extLst>
+              <a:ext uri="{FF2B5EF4-FFF2-40B4-BE49-F238E27FC236}">
+                <a16:creationId xmlns:a16="http://schemas.microsoft.com/office/drawing/2014/main" id="{3D1FADA0-6344-7D3D-133B-DB4993E314DC}"/>
+              </a:ext>
+            </a:extLst>
+          </p:cNvPr>
+          <p:cNvSpPr>
+            <a:spLocks noGrp="1"/>
+          </p:cNvSpPr>
+          <p:nvPr>
+            <p:ph type="subTitle" idx="1"/>
+          </p:nvPr>
+        </p:nvSpPr>
+        <p:spPr>
+          <a:xfrm>
+            <a:off x="1393370" y="1857211"/>
+            <a:ext cx="9299512" cy="2789433"/>
+          </a:xfrm>
+        </p:spPr>
+        <p:txBody>
+          <a:bodyPr>
+            <a:normAutofit lnSpcReduction="10000"/>
+          </a:bodyPr>
+          <a:lstStyle/>
+          <a:p>
+            <a:pPr marL="342900" indent="-342900" algn="l">
+              <a:buFont typeface="Arial" panose="020B0604020202020204" pitchFamily="34" charset="0"/>
+              <a:buChar char="•"/>
+            </a:pPr>
+            <a:r>
+              <a:rPr lang="es-ES" sz="2800" dirty="0"/>
+              <a:t>PODEMOS TENER EN CUENTA 3 POSIBLES ALTERNATIVAS:</a:t>
+            </a:r>
+          </a:p>
+          <a:p>
+            <a:pPr marL="800100" lvl="1" indent="-342900" algn="l">
+              <a:buFont typeface="Arial" panose="020B0604020202020204" pitchFamily="34" charset="0"/>
+              <a:buChar char="•"/>
+            </a:pPr>
+            <a:r>
+              <a:rPr lang="es-ES" sz="2400" dirty="0"/>
+              <a:t>REALIZAR UN MODELADO SIN REALIZAR NINGUNA ACCIÓN CORRECTORA.</a:t>
+            </a:r>
+          </a:p>
+          <a:p>
+            <a:pPr marL="800100" lvl="1" indent="-342900" algn="l">
+              <a:buFont typeface="Arial" panose="020B0604020202020204" pitchFamily="34" charset="0"/>
+              <a:buChar char="•"/>
+            </a:pPr>
+            <a:r>
+              <a:rPr lang="es-ES" sz="2400" dirty="0"/>
+              <a:t>REALIZAR UN RESAMPLEADO DE LAS MUESTRAS AFECTADAS (2020). 	</a:t>
+            </a:r>
+          </a:p>
+          <a:p>
+            <a:pPr lvl="1" algn="l"/>
+            <a:r>
+              <a:rPr lang="es-ES" sz="2400" dirty="0"/>
+              <a:t>	EN ESTE CASO UNDERSAMPLING.</a:t>
+            </a:r>
+          </a:p>
+          <a:p>
+            <a:pPr marL="800100" lvl="1" indent="-342900" algn="l">
+              <a:buFont typeface="Arial" panose="020B0604020202020204" pitchFamily="34" charset="0"/>
+              <a:buChar char="•"/>
+            </a:pPr>
+            <a:r>
+              <a:rPr lang="es-ES" sz="2400" dirty="0"/>
+              <a:t>ELIMINAR EL DATASET AFECTADO Y ACTUAR SOBRE EL RESTO DE LOS DATASETS.</a:t>
+            </a:r>
+          </a:p>
+        </p:txBody>
+      </p:sp>
+    </p:spTree>
+    <p:extLst>
+      <p:ext uri="{BB962C8B-B14F-4D97-AF65-F5344CB8AC3E}">
+        <p14:creationId xmlns:p14="http://schemas.microsoft.com/office/powerpoint/2010/main" val="601827955"/>
       </p:ext>
     </p:extLst>
   </p:cSld>

--- a/Presentacion_projecto.pptx
+++ b/Presentacion_projecto.pptx
@@ -17,8 +17,8 @@
     <p:sldId id="261" r:id="rId11"/>
     <p:sldId id="262" r:id="rId12"/>
     <p:sldId id="263" r:id="rId13"/>
-    <p:sldId id="264" r:id="rId14"/>
-    <p:sldId id="265" r:id="rId15"/>
+    <p:sldId id="265" r:id="rId14"/>
+    <p:sldId id="264" r:id="rId15"/>
     <p:sldId id="266" r:id="rId16"/>
   </p:sldIdLst>
   <p:sldSz cx="12192000" cy="6858000"/>
@@ -4690,7 +4690,7 @@
           <a:p>
             <a:fld id="{0B7BBFDC-1A0D-48FC-8992-8667956A2A06}" type="datetimeFigureOut">
               <a:rPr lang="es-ES" smtClean="0"/>
-              <a:t>13/09/2022</a:t>
+              <a:t>14/09/2022</a:t>
             </a:fld>
             <a:endParaRPr lang="es-ES"/>
           </a:p>
@@ -4888,7 +4888,7 @@
           <a:p>
             <a:fld id="{0B7BBFDC-1A0D-48FC-8992-8667956A2A06}" type="datetimeFigureOut">
               <a:rPr lang="es-ES" smtClean="0"/>
-              <a:t>13/09/2022</a:t>
+              <a:t>14/09/2022</a:t>
             </a:fld>
             <a:endParaRPr lang="es-ES"/>
           </a:p>
@@ -5096,7 +5096,7 @@
           <a:p>
             <a:fld id="{0B7BBFDC-1A0D-48FC-8992-8667956A2A06}" type="datetimeFigureOut">
               <a:rPr lang="es-ES" smtClean="0"/>
-              <a:t>13/09/2022</a:t>
+              <a:t>14/09/2022</a:t>
             </a:fld>
             <a:endParaRPr lang="es-ES"/>
           </a:p>
@@ -5294,7 +5294,7 @@
           <a:p>
             <a:fld id="{0B7BBFDC-1A0D-48FC-8992-8667956A2A06}" type="datetimeFigureOut">
               <a:rPr lang="es-ES" smtClean="0"/>
-              <a:t>13/09/2022</a:t>
+              <a:t>14/09/2022</a:t>
             </a:fld>
             <a:endParaRPr lang="es-ES"/>
           </a:p>
@@ -5569,7 +5569,7 @@
           <a:p>
             <a:fld id="{0B7BBFDC-1A0D-48FC-8992-8667956A2A06}" type="datetimeFigureOut">
               <a:rPr lang="es-ES" smtClean="0"/>
-              <a:t>13/09/2022</a:t>
+              <a:t>14/09/2022</a:t>
             </a:fld>
             <a:endParaRPr lang="es-ES"/>
           </a:p>
@@ -5834,7 +5834,7 @@
           <a:p>
             <a:fld id="{0B7BBFDC-1A0D-48FC-8992-8667956A2A06}" type="datetimeFigureOut">
               <a:rPr lang="es-ES" smtClean="0"/>
-              <a:t>13/09/2022</a:t>
+              <a:t>14/09/2022</a:t>
             </a:fld>
             <a:endParaRPr lang="es-ES"/>
           </a:p>
@@ -6246,7 +6246,7 @@
           <a:p>
             <a:fld id="{0B7BBFDC-1A0D-48FC-8992-8667956A2A06}" type="datetimeFigureOut">
               <a:rPr lang="es-ES" smtClean="0"/>
-              <a:t>13/09/2022</a:t>
+              <a:t>14/09/2022</a:t>
             </a:fld>
             <a:endParaRPr lang="es-ES"/>
           </a:p>
@@ -6387,7 +6387,7 @@
           <a:p>
             <a:fld id="{0B7BBFDC-1A0D-48FC-8992-8667956A2A06}" type="datetimeFigureOut">
               <a:rPr lang="es-ES" smtClean="0"/>
-              <a:t>13/09/2022</a:t>
+              <a:t>14/09/2022</a:t>
             </a:fld>
             <a:endParaRPr lang="es-ES"/>
           </a:p>
@@ -6500,7 +6500,7 @@
           <a:p>
             <a:fld id="{0B7BBFDC-1A0D-48FC-8992-8667956A2A06}" type="datetimeFigureOut">
               <a:rPr lang="es-ES" smtClean="0"/>
-              <a:t>13/09/2022</a:t>
+              <a:t>14/09/2022</a:t>
             </a:fld>
             <a:endParaRPr lang="es-ES"/>
           </a:p>
@@ -6811,7 +6811,7 @@
           <a:p>
             <a:fld id="{0B7BBFDC-1A0D-48FC-8992-8667956A2A06}" type="datetimeFigureOut">
               <a:rPr lang="es-ES" smtClean="0"/>
-              <a:t>13/09/2022</a:t>
+              <a:t>14/09/2022</a:t>
             </a:fld>
             <a:endParaRPr lang="es-ES"/>
           </a:p>
@@ -7099,7 +7099,7 @@
           <a:p>
             <a:fld id="{0B7BBFDC-1A0D-48FC-8992-8667956A2A06}" type="datetimeFigureOut">
               <a:rPr lang="es-ES" smtClean="0"/>
-              <a:t>13/09/2022</a:t>
+              <a:t>14/09/2022</a:t>
             </a:fld>
             <a:endParaRPr lang="es-ES"/>
           </a:p>
@@ -7340,7 +7340,7 @@
           <a:p>
             <a:fld id="{0B7BBFDC-1A0D-48FC-8992-8667956A2A06}" type="datetimeFigureOut">
               <a:rPr lang="es-ES" smtClean="0"/>
-              <a:t>13/09/2022</a:t>
+              <a:t>14/09/2022</a:t>
             </a:fld>
             <a:endParaRPr lang="es-ES"/>
           </a:p>
@@ -8975,7 +8975,7 @@
             </a:pPr>
             <a:r>
               <a:rPr lang="es-ES" sz="3200" dirty="0" err="1"/>
-              <a:t>Accuraccy</a:t>
+              <a:t>Accuracy</a:t>
             </a:r>
             <a:endParaRPr lang="es-ES" sz="3200" dirty="0"/>
           </a:p>
@@ -10097,6 +10097,427 @@
         </p:blipFill>
         <p:spPr>
           <a:xfrm>
+            <a:off x="0" y="0"/>
+            <a:ext cx="12192000" cy="6858000"/>
+          </a:xfrm>
+          <a:prstGeom prst="rect">
+            <a:avLst/>
+          </a:prstGeom>
+        </p:spPr>
+      </p:pic>
+      <p:sp>
+        <p:nvSpPr>
+          <p:cNvPr id="2" name="Título 1">
+            <a:extLst>
+              <a:ext uri="{FF2B5EF4-FFF2-40B4-BE49-F238E27FC236}">
+                <a16:creationId xmlns:a16="http://schemas.microsoft.com/office/drawing/2014/main" id="{60E6DA99-268D-D173-09D5-479E4B6BDFFC}"/>
+              </a:ext>
+            </a:extLst>
+          </p:cNvPr>
+          <p:cNvSpPr>
+            <a:spLocks noGrp="1"/>
+          </p:cNvSpPr>
+          <p:nvPr>
+            <p:ph type="ctrTitle"/>
+          </p:nvPr>
+        </p:nvSpPr>
+        <p:spPr>
+          <a:xfrm>
+            <a:off x="0" y="711810"/>
+            <a:ext cx="12192000" cy="949033"/>
+          </a:xfrm>
+        </p:spPr>
+        <p:txBody>
+          <a:bodyPr>
+            <a:normAutofit/>
+          </a:bodyPr>
+          <a:lstStyle/>
+          <a:p>
+            <a:r>
+              <a:rPr lang="es-ES" sz="6000" u="sng" dirty="0">
+                <a:solidFill>
+                  <a:schemeClr val="accent1"/>
+                </a:solidFill>
+              </a:rPr>
+              <a:t>INTERPRETABILIDAD DEL MODELO</a:t>
+            </a:r>
+            <a:endParaRPr lang="es-ES" dirty="0"/>
+          </a:p>
+        </p:txBody>
+      </p:sp>
+      <p:pic>
+        <p:nvPicPr>
+          <p:cNvPr id="8" name="Imagen 7">
+            <a:extLst>
+              <a:ext uri="{FF2B5EF4-FFF2-40B4-BE49-F238E27FC236}">
+                <a16:creationId xmlns:a16="http://schemas.microsoft.com/office/drawing/2014/main" id="{867C93A4-59B1-C28F-ACBD-C4F0CC354DE3}"/>
+              </a:ext>
+            </a:extLst>
+          </p:cNvPr>
+          <p:cNvPicPr>
+            <a:picLocks noChangeAspect="1"/>
+          </p:cNvPicPr>
+          <p:nvPr/>
+        </p:nvPicPr>
+        <p:blipFill>
+          <a:blip r:embed="rId3">
+            <a:extLst>
+              <a:ext uri="{28A0092B-C50C-407E-A947-70E740481C1C}">
+                <a14:useLocalDpi xmlns:a14="http://schemas.microsoft.com/office/drawing/2010/main" val="0"/>
+              </a:ext>
+            </a:extLst>
+          </a:blip>
+          <a:stretch>
+            <a:fillRect/>
+          </a:stretch>
+        </p:blipFill>
+        <p:spPr>
+          <a:xfrm>
+            <a:off x="903278" y="2731162"/>
+            <a:ext cx="5917460" cy="3149206"/>
+          </a:xfrm>
+          <a:prstGeom prst="rect">
+            <a:avLst/>
+          </a:prstGeom>
+        </p:spPr>
+      </p:pic>
+      <p:sp>
+        <p:nvSpPr>
+          <p:cNvPr id="9" name="CuadroTexto 8">
+            <a:extLst>
+              <a:ext uri="{FF2B5EF4-FFF2-40B4-BE49-F238E27FC236}">
+                <a16:creationId xmlns:a16="http://schemas.microsoft.com/office/drawing/2014/main" id="{A0CA5603-BCB5-14FB-FD75-F6E14DF32C0B}"/>
+              </a:ext>
+            </a:extLst>
+          </p:cNvPr>
+          <p:cNvSpPr txBox="1"/>
+          <p:nvPr/>
+        </p:nvSpPr>
+        <p:spPr>
+          <a:xfrm>
+            <a:off x="849085" y="1782144"/>
+            <a:ext cx="10263673" cy="830997"/>
+          </a:xfrm>
+          <a:prstGeom prst="rect">
+            <a:avLst/>
+          </a:prstGeom>
+          <a:noFill/>
+        </p:spPr>
+        <p:txBody>
+          <a:bodyPr wrap="square" rtlCol="0">
+            <a:spAutoFit/>
+          </a:bodyPr>
+          <a:lstStyle/>
+          <a:p>
+            <a:r>
+              <a:rPr lang="es-ES" sz="2400" dirty="0"/>
+              <a:t>UTILIZAMOS UN PERMUTATION IMPORTANCE PARA VALORAR LOS FEATURES CON LOS QUE TRABAJAMOS</a:t>
+            </a:r>
+          </a:p>
+        </p:txBody>
+      </p:sp>
+      <p:sp>
+        <p:nvSpPr>
+          <p:cNvPr id="3" name="Flecha: hacia la izquierda 2">
+            <a:extLst>
+              <a:ext uri="{FF2B5EF4-FFF2-40B4-BE49-F238E27FC236}">
+                <a16:creationId xmlns:a16="http://schemas.microsoft.com/office/drawing/2014/main" id="{79E57D30-D4CF-42CA-7C04-44860E46436B}"/>
+              </a:ext>
+            </a:extLst>
+          </p:cNvPr>
+          <p:cNvSpPr/>
+          <p:nvPr/>
+        </p:nvSpPr>
+        <p:spPr>
+          <a:xfrm>
+            <a:off x="7130366" y="2996117"/>
+            <a:ext cx="2169268" cy="272374"/>
+          </a:xfrm>
+          <a:prstGeom prst="leftArrow">
+            <a:avLst/>
+          </a:prstGeom>
+          <a:solidFill>
+            <a:schemeClr val="accent6">
+              <a:lumMod val="40000"/>
+              <a:lumOff val="60000"/>
+            </a:schemeClr>
+          </a:solidFill>
+        </p:spPr>
+        <p:style>
+          <a:lnRef idx="2">
+            <a:schemeClr val="accent1">
+              <a:shade val="50000"/>
+            </a:schemeClr>
+          </a:lnRef>
+          <a:fillRef idx="1">
+            <a:schemeClr val="accent1"/>
+          </a:fillRef>
+          <a:effectRef idx="0">
+            <a:schemeClr val="accent1"/>
+          </a:effectRef>
+          <a:fontRef idx="minor">
+            <a:schemeClr val="lt1"/>
+          </a:fontRef>
+        </p:style>
+        <p:txBody>
+          <a:bodyPr rtlCol="0" anchor="ctr"/>
+          <a:lstStyle/>
+          <a:p>
+            <a:pPr algn="ctr"/>
+            <a:endParaRPr lang="es-ES"/>
+          </a:p>
+        </p:txBody>
+      </p:sp>
+      <p:sp>
+        <p:nvSpPr>
+          <p:cNvPr id="6" name="Flecha: hacia la izquierda 5">
+            <a:extLst>
+              <a:ext uri="{FF2B5EF4-FFF2-40B4-BE49-F238E27FC236}">
+                <a16:creationId xmlns:a16="http://schemas.microsoft.com/office/drawing/2014/main" id="{8A671656-34C7-E6AE-1190-FB65DCB24CF3}"/>
+              </a:ext>
+            </a:extLst>
+          </p:cNvPr>
+          <p:cNvSpPr/>
+          <p:nvPr/>
+        </p:nvSpPr>
+        <p:spPr>
+          <a:xfrm>
+            <a:off x="7166031" y="4899497"/>
+            <a:ext cx="2169268" cy="272374"/>
+          </a:xfrm>
+          <a:prstGeom prst="leftArrow">
+            <a:avLst/>
+          </a:prstGeom>
+          <a:solidFill>
+            <a:schemeClr val="accent6">
+              <a:lumMod val="40000"/>
+              <a:lumOff val="60000"/>
+            </a:schemeClr>
+          </a:solidFill>
+        </p:spPr>
+        <p:style>
+          <a:lnRef idx="2">
+            <a:schemeClr val="accent1">
+              <a:shade val="50000"/>
+            </a:schemeClr>
+          </a:lnRef>
+          <a:fillRef idx="1">
+            <a:schemeClr val="accent1"/>
+          </a:fillRef>
+          <a:effectRef idx="0">
+            <a:schemeClr val="accent1"/>
+          </a:effectRef>
+          <a:fontRef idx="minor">
+            <a:schemeClr val="lt1"/>
+          </a:fontRef>
+        </p:style>
+        <p:txBody>
+          <a:bodyPr rtlCol="0" anchor="ctr"/>
+          <a:lstStyle/>
+          <a:p>
+            <a:pPr algn="ctr"/>
+            <a:endParaRPr lang="es-ES" dirty="0"/>
+          </a:p>
+        </p:txBody>
+      </p:sp>
+    </p:spTree>
+    <p:extLst>
+      <p:ext uri="{BB962C8B-B14F-4D97-AF65-F5344CB8AC3E}">
+        <p14:creationId xmlns:p14="http://schemas.microsoft.com/office/powerpoint/2010/main" val="4027726222"/>
+      </p:ext>
+    </p:extLst>
+  </p:cSld>
+  <p:clrMapOvr>
+    <a:masterClrMapping/>
+  </p:clrMapOvr>
+  <p:timing>
+    <p:tnLst>
+      <p:par>
+        <p:cTn id="1" dur="indefinite" restart="never" nodeType="tmRoot">
+          <p:childTnLst>
+            <p:seq concurrent="1" nextAc="seek">
+              <p:cTn id="2" dur="indefinite" nodeType="mainSeq">
+                <p:childTnLst>
+                  <p:par>
+                    <p:cTn id="3" fill="hold">
+                      <p:stCondLst>
+                        <p:cond delay="indefinite"/>
+                      </p:stCondLst>
+                      <p:childTnLst>
+                        <p:par>
+                          <p:cTn id="4" fill="hold">
+                            <p:stCondLst>
+                              <p:cond delay="0"/>
+                            </p:stCondLst>
+                            <p:childTnLst>
+                              <p:par>
+                                <p:cTn id="5" presetID="21" presetClass="entr" presetSubtype="1" fill="hold" grpId="0" nodeType="clickEffect">
+                                  <p:stCondLst>
+                                    <p:cond delay="0"/>
+                                  </p:stCondLst>
+                                  <p:childTnLst>
+                                    <p:set>
+                                      <p:cBhvr>
+                                        <p:cTn id="6" dur="1" fill="hold">
+                                          <p:stCondLst>
+                                            <p:cond delay="0"/>
+                                          </p:stCondLst>
+                                        </p:cTn>
+                                        <p:tgtEl>
+                                          <p:spTgt spid="3"/>
+                                        </p:tgtEl>
+                                        <p:attrNameLst>
+                                          <p:attrName>style.visibility</p:attrName>
+                                        </p:attrNameLst>
+                                      </p:cBhvr>
+                                      <p:to>
+                                        <p:strVal val="visible"/>
+                                      </p:to>
+                                    </p:set>
+                                    <p:animEffect transition="in" filter="wheel(1)">
+                                      <p:cBhvr>
+                                        <p:cTn id="7" dur="2000"/>
+                                        <p:tgtEl>
+                                          <p:spTgt spid="3"/>
+                                        </p:tgtEl>
+                                      </p:cBhvr>
+                                    </p:animEffect>
+                                  </p:childTnLst>
+                                </p:cTn>
+                              </p:par>
+                            </p:childTnLst>
+                          </p:cTn>
+                        </p:par>
+                      </p:childTnLst>
+                    </p:cTn>
+                  </p:par>
+                  <p:par>
+                    <p:cTn id="8" fill="hold">
+                      <p:stCondLst>
+                        <p:cond delay="indefinite"/>
+                      </p:stCondLst>
+                      <p:childTnLst>
+                        <p:par>
+                          <p:cTn id="9" fill="hold">
+                            <p:stCondLst>
+                              <p:cond delay="0"/>
+                            </p:stCondLst>
+                            <p:childTnLst>
+                              <p:par>
+                                <p:cTn id="10" presetID="21" presetClass="entr" presetSubtype="1" fill="hold" grpId="0" nodeType="clickEffect">
+                                  <p:stCondLst>
+                                    <p:cond delay="0"/>
+                                  </p:stCondLst>
+                                  <p:childTnLst>
+                                    <p:set>
+                                      <p:cBhvr>
+                                        <p:cTn id="11" dur="1" fill="hold">
+                                          <p:stCondLst>
+                                            <p:cond delay="0"/>
+                                          </p:stCondLst>
+                                        </p:cTn>
+                                        <p:tgtEl>
+                                          <p:spTgt spid="6"/>
+                                        </p:tgtEl>
+                                        <p:attrNameLst>
+                                          <p:attrName>style.visibility</p:attrName>
+                                        </p:attrNameLst>
+                                      </p:cBhvr>
+                                      <p:to>
+                                        <p:strVal val="visible"/>
+                                      </p:to>
+                                    </p:set>
+                                    <p:animEffect transition="in" filter="wheel(1)">
+                                      <p:cBhvr>
+                                        <p:cTn id="12" dur="2000"/>
+                                        <p:tgtEl>
+                                          <p:spTgt spid="6"/>
+                                        </p:tgtEl>
+                                      </p:cBhvr>
+                                    </p:animEffect>
+                                  </p:childTnLst>
+                                </p:cTn>
+                              </p:par>
+                            </p:childTnLst>
+                          </p:cTn>
+                        </p:par>
+                      </p:childTnLst>
+                    </p:cTn>
+                  </p:par>
+                </p:childTnLst>
+              </p:cTn>
+              <p:prevCondLst>
+                <p:cond evt="onPrev" delay="0">
+                  <p:tgtEl>
+                    <p:sldTgt/>
+                  </p:tgtEl>
+                </p:cond>
+              </p:prevCondLst>
+              <p:nextCondLst>
+                <p:cond evt="onNext" delay="0">
+                  <p:tgtEl>
+                    <p:sldTgt/>
+                  </p:tgtEl>
+                </p:cond>
+              </p:nextCondLst>
+            </p:seq>
+          </p:childTnLst>
+        </p:cTn>
+      </p:par>
+    </p:tnLst>
+    <p:bldLst>
+      <p:bldP spid="3" grpId="0" animBg="1"/>
+      <p:bldP spid="6" grpId="0" animBg="1"/>
+    </p:bldLst>
+  </p:timing>
+</p:sld>
+</file>
+
+<file path=ppt/slides/slide14.xml><?xml version="1.0" encoding="utf-8"?>
+<p:sld xmlns:a="http://schemas.openxmlformats.org/drawingml/2006/main" xmlns:r="http://schemas.openxmlformats.org/officeDocument/2006/relationships" xmlns:p="http://schemas.openxmlformats.org/presentationml/2006/main">
+  <p:cSld>
+    <p:spTree>
+      <p:nvGrpSpPr>
+        <p:cNvPr id="1" name=""/>
+        <p:cNvGrpSpPr/>
+        <p:nvPr/>
+      </p:nvGrpSpPr>
+      <p:grpSpPr>
+        <a:xfrm>
+          <a:off x="0" y="0"/>
+          <a:ext cx="0" cy="0"/>
+          <a:chOff x="0" y="0"/>
+          <a:chExt cx="0" cy="0"/>
+        </a:xfrm>
+      </p:grpSpPr>
+      <p:pic>
+        <p:nvPicPr>
+          <p:cNvPr id="5" name="Imagen 4">
+            <a:extLst>
+              <a:ext uri="{FF2B5EF4-FFF2-40B4-BE49-F238E27FC236}">
+                <a16:creationId xmlns:a16="http://schemas.microsoft.com/office/drawing/2014/main" id="{6C61C0DD-0517-4BF3-8934-AA022809AFF3}"/>
+              </a:ext>
+            </a:extLst>
+          </p:cNvPr>
+          <p:cNvPicPr>
+            <a:picLocks noChangeAspect="1"/>
+          </p:cNvPicPr>
+          <p:nvPr/>
+        </p:nvPicPr>
+        <p:blipFill>
+          <a:blip r:embed="rId2">
+            <a:extLst>
+              <a:ext uri="{28A0092B-C50C-407E-A947-70E740481C1C}">
+                <a14:useLocalDpi xmlns:a14="http://schemas.microsoft.com/office/drawing/2010/main" val="0"/>
+              </a:ext>
+            </a:extLst>
+          </a:blip>
+          <a:stretch>
+            <a:fillRect/>
+          </a:stretch>
+        </p:blipFill>
+        <p:spPr>
+          <a:xfrm>
             <a:off x="0" y="-9331"/>
             <a:ext cx="12192000" cy="6858000"/>
           </a:xfrm>
@@ -10242,7 +10663,7 @@
             </a:pPr>
             <a:r>
               <a:rPr lang="es-ES" dirty="0"/>
-              <a:t>Adaptar el trabajo de los profesionales</a:t>
+              <a:t>Adaptar el trabajo y la formación de los profesionales</a:t>
             </a:r>
           </a:p>
           <a:p>
@@ -10637,427 +11058,6 @@
         </p:cTn>
       </p:par>
     </p:tnLst>
-  </p:timing>
-</p:sld>
-</file>
-
-<file path=ppt/slides/slide14.xml><?xml version="1.0" encoding="utf-8"?>
-<p:sld xmlns:a="http://schemas.openxmlformats.org/drawingml/2006/main" xmlns:r="http://schemas.openxmlformats.org/officeDocument/2006/relationships" xmlns:p="http://schemas.openxmlformats.org/presentationml/2006/main">
-  <p:cSld>
-    <p:spTree>
-      <p:nvGrpSpPr>
-        <p:cNvPr id="1" name=""/>
-        <p:cNvGrpSpPr/>
-        <p:nvPr/>
-      </p:nvGrpSpPr>
-      <p:grpSpPr>
-        <a:xfrm>
-          <a:off x="0" y="0"/>
-          <a:ext cx="0" cy="0"/>
-          <a:chOff x="0" y="0"/>
-          <a:chExt cx="0" cy="0"/>
-        </a:xfrm>
-      </p:grpSpPr>
-      <p:pic>
-        <p:nvPicPr>
-          <p:cNvPr id="5" name="Imagen 4">
-            <a:extLst>
-              <a:ext uri="{FF2B5EF4-FFF2-40B4-BE49-F238E27FC236}">
-                <a16:creationId xmlns:a16="http://schemas.microsoft.com/office/drawing/2014/main" id="{6C61C0DD-0517-4BF3-8934-AA022809AFF3}"/>
-              </a:ext>
-            </a:extLst>
-          </p:cNvPr>
-          <p:cNvPicPr>
-            <a:picLocks noChangeAspect="1"/>
-          </p:cNvPicPr>
-          <p:nvPr/>
-        </p:nvPicPr>
-        <p:blipFill>
-          <a:blip r:embed="rId2">
-            <a:extLst>
-              <a:ext uri="{28A0092B-C50C-407E-A947-70E740481C1C}">
-                <a14:useLocalDpi xmlns:a14="http://schemas.microsoft.com/office/drawing/2010/main" val="0"/>
-              </a:ext>
-            </a:extLst>
-          </a:blip>
-          <a:stretch>
-            <a:fillRect/>
-          </a:stretch>
-        </p:blipFill>
-        <p:spPr>
-          <a:xfrm>
-            <a:off x="0" y="0"/>
-            <a:ext cx="12192000" cy="6858000"/>
-          </a:xfrm>
-          <a:prstGeom prst="rect">
-            <a:avLst/>
-          </a:prstGeom>
-        </p:spPr>
-      </p:pic>
-      <p:sp>
-        <p:nvSpPr>
-          <p:cNvPr id="2" name="Título 1">
-            <a:extLst>
-              <a:ext uri="{FF2B5EF4-FFF2-40B4-BE49-F238E27FC236}">
-                <a16:creationId xmlns:a16="http://schemas.microsoft.com/office/drawing/2014/main" id="{60E6DA99-268D-D173-09D5-479E4B6BDFFC}"/>
-              </a:ext>
-            </a:extLst>
-          </p:cNvPr>
-          <p:cNvSpPr>
-            <a:spLocks noGrp="1"/>
-          </p:cNvSpPr>
-          <p:nvPr>
-            <p:ph type="ctrTitle"/>
-          </p:nvPr>
-        </p:nvSpPr>
-        <p:spPr>
-          <a:xfrm>
-            <a:off x="0" y="711810"/>
-            <a:ext cx="12192000" cy="949033"/>
-          </a:xfrm>
-        </p:spPr>
-        <p:txBody>
-          <a:bodyPr>
-            <a:normAutofit/>
-          </a:bodyPr>
-          <a:lstStyle/>
-          <a:p>
-            <a:r>
-              <a:rPr lang="es-ES" sz="6000" u="sng" dirty="0">
-                <a:solidFill>
-                  <a:schemeClr val="accent1"/>
-                </a:solidFill>
-              </a:rPr>
-              <a:t>INTERPRETABILIDAD DEL MODELO</a:t>
-            </a:r>
-            <a:endParaRPr lang="es-ES" dirty="0"/>
-          </a:p>
-        </p:txBody>
-      </p:sp>
-      <p:pic>
-        <p:nvPicPr>
-          <p:cNvPr id="8" name="Imagen 7">
-            <a:extLst>
-              <a:ext uri="{FF2B5EF4-FFF2-40B4-BE49-F238E27FC236}">
-                <a16:creationId xmlns:a16="http://schemas.microsoft.com/office/drawing/2014/main" id="{867C93A4-59B1-C28F-ACBD-C4F0CC354DE3}"/>
-              </a:ext>
-            </a:extLst>
-          </p:cNvPr>
-          <p:cNvPicPr>
-            <a:picLocks noChangeAspect="1"/>
-          </p:cNvPicPr>
-          <p:nvPr/>
-        </p:nvPicPr>
-        <p:blipFill>
-          <a:blip r:embed="rId3">
-            <a:extLst>
-              <a:ext uri="{28A0092B-C50C-407E-A947-70E740481C1C}">
-                <a14:useLocalDpi xmlns:a14="http://schemas.microsoft.com/office/drawing/2010/main" val="0"/>
-              </a:ext>
-            </a:extLst>
-          </a:blip>
-          <a:stretch>
-            <a:fillRect/>
-          </a:stretch>
-        </p:blipFill>
-        <p:spPr>
-          <a:xfrm>
-            <a:off x="903278" y="2731162"/>
-            <a:ext cx="5917460" cy="3149206"/>
-          </a:xfrm>
-          <a:prstGeom prst="rect">
-            <a:avLst/>
-          </a:prstGeom>
-        </p:spPr>
-      </p:pic>
-      <p:sp>
-        <p:nvSpPr>
-          <p:cNvPr id="9" name="CuadroTexto 8">
-            <a:extLst>
-              <a:ext uri="{FF2B5EF4-FFF2-40B4-BE49-F238E27FC236}">
-                <a16:creationId xmlns:a16="http://schemas.microsoft.com/office/drawing/2014/main" id="{A0CA5603-BCB5-14FB-FD75-F6E14DF32C0B}"/>
-              </a:ext>
-            </a:extLst>
-          </p:cNvPr>
-          <p:cNvSpPr txBox="1"/>
-          <p:nvPr/>
-        </p:nvSpPr>
-        <p:spPr>
-          <a:xfrm>
-            <a:off x="849085" y="1782144"/>
-            <a:ext cx="10263673" cy="830997"/>
-          </a:xfrm>
-          <a:prstGeom prst="rect">
-            <a:avLst/>
-          </a:prstGeom>
-          <a:noFill/>
-        </p:spPr>
-        <p:txBody>
-          <a:bodyPr wrap="square" rtlCol="0">
-            <a:spAutoFit/>
-          </a:bodyPr>
-          <a:lstStyle/>
-          <a:p>
-            <a:r>
-              <a:rPr lang="es-ES" sz="2400" dirty="0"/>
-              <a:t>UTILIZAMOS UN PERMUTATION IMPORTANCE PARA VALORAR LOS FEATURES CON LOS QUE TRABAJAMOS</a:t>
-            </a:r>
-          </a:p>
-        </p:txBody>
-      </p:sp>
-      <p:sp>
-        <p:nvSpPr>
-          <p:cNvPr id="3" name="Flecha: hacia la izquierda 2">
-            <a:extLst>
-              <a:ext uri="{FF2B5EF4-FFF2-40B4-BE49-F238E27FC236}">
-                <a16:creationId xmlns:a16="http://schemas.microsoft.com/office/drawing/2014/main" id="{79E57D30-D4CF-42CA-7C04-44860E46436B}"/>
-              </a:ext>
-            </a:extLst>
-          </p:cNvPr>
-          <p:cNvSpPr/>
-          <p:nvPr/>
-        </p:nvSpPr>
-        <p:spPr>
-          <a:xfrm>
-            <a:off x="7130366" y="2996117"/>
-            <a:ext cx="2169268" cy="272374"/>
-          </a:xfrm>
-          <a:prstGeom prst="leftArrow">
-            <a:avLst/>
-          </a:prstGeom>
-          <a:solidFill>
-            <a:schemeClr val="accent6">
-              <a:lumMod val="40000"/>
-              <a:lumOff val="60000"/>
-            </a:schemeClr>
-          </a:solidFill>
-        </p:spPr>
-        <p:style>
-          <a:lnRef idx="2">
-            <a:schemeClr val="accent1">
-              <a:shade val="50000"/>
-            </a:schemeClr>
-          </a:lnRef>
-          <a:fillRef idx="1">
-            <a:schemeClr val="accent1"/>
-          </a:fillRef>
-          <a:effectRef idx="0">
-            <a:schemeClr val="accent1"/>
-          </a:effectRef>
-          <a:fontRef idx="minor">
-            <a:schemeClr val="lt1"/>
-          </a:fontRef>
-        </p:style>
-        <p:txBody>
-          <a:bodyPr rtlCol="0" anchor="ctr"/>
-          <a:lstStyle/>
-          <a:p>
-            <a:pPr algn="ctr"/>
-            <a:endParaRPr lang="es-ES"/>
-          </a:p>
-        </p:txBody>
-      </p:sp>
-      <p:sp>
-        <p:nvSpPr>
-          <p:cNvPr id="6" name="Flecha: hacia la izquierda 5">
-            <a:extLst>
-              <a:ext uri="{FF2B5EF4-FFF2-40B4-BE49-F238E27FC236}">
-                <a16:creationId xmlns:a16="http://schemas.microsoft.com/office/drawing/2014/main" id="{8A671656-34C7-E6AE-1190-FB65DCB24CF3}"/>
-              </a:ext>
-            </a:extLst>
-          </p:cNvPr>
-          <p:cNvSpPr/>
-          <p:nvPr/>
-        </p:nvSpPr>
-        <p:spPr>
-          <a:xfrm>
-            <a:off x="7166031" y="4899497"/>
-            <a:ext cx="2169268" cy="272374"/>
-          </a:xfrm>
-          <a:prstGeom prst="leftArrow">
-            <a:avLst/>
-          </a:prstGeom>
-          <a:solidFill>
-            <a:schemeClr val="accent6">
-              <a:lumMod val="40000"/>
-              <a:lumOff val="60000"/>
-            </a:schemeClr>
-          </a:solidFill>
-        </p:spPr>
-        <p:style>
-          <a:lnRef idx="2">
-            <a:schemeClr val="accent1">
-              <a:shade val="50000"/>
-            </a:schemeClr>
-          </a:lnRef>
-          <a:fillRef idx="1">
-            <a:schemeClr val="accent1"/>
-          </a:fillRef>
-          <a:effectRef idx="0">
-            <a:schemeClr val="accent1"/>
-          </a:effectRef>
-          <a:fontRef idx="minor">
-            <a:schemeClr val="lt1"/>
-          </a:fontRef>
-        </p:style>
-        <p:txBody>
-          <a:bodyPr rtlCol="0" anchor="ctr"/>
-          <a:lstStyle/>
-          <a:p>
-            <a:pPr algn="ctr"/>
-            <a:endParaRPr lang="es-ES" dirty="0"/>
-          </a:p>
-        </p:txBody>
-      </p:sp>
-    </p:spTree>
-    <p:extLst>
-      <p:ext uri="{BB962C8B-B14F-4D97-AF65-F5344CB8AC3E}">
-        <p14:creationId xmlns:p14="http://schemas.microsoft.com/office/powerpoint/2010/main" val="4027726222"/>
-      </p:ext>
-    </p:extLst>
-  </p:cSld>
-  <p:clrMapOvr>
-    <a:masterClrMapping/>
-  </p:clrMapOvr>
-  <p:timing>
-    <p:tnLst>
-      <p:par>
-        <p:cTn id="1" dur="indefinite" restart="never" nodeType="tmRoot">
-          <p:childTnLst>
-            <p:seq concurrent="1" nextAc="seek">
-              <p:cTn id="2" dur="indefinite" nodeType="mainSeq">
-                <p:childTnLst>
-                  <p:par>
-                    <p:cTn id="3" fill="hold">
-                      <p:stCondLst>
-                        <p:cond delay="indefinite"/>
-                      </p:stCondLst>
-                      <p:childTnLst>
-                        <p:par>
-                          <p:cTn id="4" fill="hold">
-                            <p:stCondLst>
-                              <p:cond delay="0"/>
-                            </p:stCondLst>
-                            <p:childTnLst>
-                              <p:par>
-                                <p:cTn id="5" presetID="21" presetClass="entr" presetSubtype="1" fill="hold" grpId="0" nodeType="clickEffect">
-                                  <p:stCondLst>
-                                    <p:cond delay="0"/>
-                                  </p:stCondLst>
-                                  <p:childTnLst>
-                                    <p:set>
-                                      <p:cBhvr>
-                                        <p:cTn id="6" dur="1" fill="hold">
-                                          <p:stCondLst>
-                                            <p:cond delay="0"/>
-                                          </p:stCondLst>
-                                        </p:cTn>
-                                        <p:tgtEl>
-                                          <p:spTgt spid="3"/>
-                                        </p:tgtEl>
-                                        <p:attrNameLst>
-                                          <p:attrName>style.visibility</p:attrName>
-                                        </p:attrNameLst>
-                                      </p:cBhvr>
-                                      <p:to>
-                                        <p:strVal val="visible"/>
-                                      </p:to>
-                                    </p:set>
-                                    <p:animEffect transition="in" filter="wheel(1)">
-                                      <p:cBhvr>
-                                        <p:cTn id="7" dur="2000"/>
-                                        <p:tgtEl>
-                                          <p:spTgt spid="3"/>
-                                        </p:tgtEl>
-                                      </p:cBhvr>
-                                    </p:animEffect>
-                                  </p:childTnLst>
-                                </p:cTn>
-                              </p:par>
-                            </p:childTnLst>
-                          </p:cTn>
-                        </p:par>
-                      </p:childTnLst>
-                    </p:cTn>
-                  </p:par>
-                  <p:par>
-                    <p:cTn id="8" fill="hold">
-                      <p:stCondLst>
-                        <p:cond delay="indefinite"/>
-                      </p:stCondLst>
-                      <p:childTnLst>
-                        <p:par>
-                          <p:cTn id="9" fill="hold">
-                            <p:stCondLst>
-                              <p:cond delay="0"/>
-                            </p:stCondLst>
-                            <p:childTnLst>
-                              <p:par>
-                                <p:cTn id="10" presetID="21" presetClass="entr" presetSubtype="1" fill="hold" grpId="0" nodeType="clickEffect">
-                                  <p:stCondLst>
-                                    <p:cond delay="0"/>
-                                  </p:stCondLst>
-                                  <p:childTnLst>
-                                    <p:set>
-                                      <p:cBhvr>
-                                        <p:cTn id="11" dur="1" fill="hold">
-                                          <p:stCondLst>
-                                            <p:cond delay="0"/>
-                                          </p:stCondLst>
-                                        </p:cTn>
-                                        <p:tgtEl>
-                                          <p:spTgt spid="6"/>
-                                        </p:tgtEl>
-                                        <p:attrNameLst>
-                                          <p:attrName>style.visibility</p:attrName>
-                                        </p:attrNameLst>
-                                      </p:cBhvr>
-                                      <p:to>
-                                        <p:strVal val="visible"/>
-                                      </p:to>
-                                    </p:set>
-                                    <p:animEffect transition="in" filter="wheel(1)">
-                                      <p:cBhvr>
-                                        <p:cTn id="12" dur="2000"/>
-                                        <p:tgtEl>
-                                          <p:spTgt spid="6"/>
-                                        </p:tgtEl>
-                                      </p:cBhvr>
-                                    </p:animEffect>
-                                  </p:childTnLst>
-                                </p:cTn>
-                              </p:par>
-                            </p:childTnLst>
-                          </p:cTn>
-                        </p:par>
-                      </p:childTnLst>
-                    </p:cTn>
-                  </p:par>
-                </p:childTnLst>
-              </p:cTn>
-              <p:prevCondLst>
-                <p:cond evt="onPrev" delay="0">
-                  <p:tgtEl>
-                    <p:sldTgt/>
-                  </p:tgtEl>
-                </p:cond>
-              </p:prevCondLst>
-              <p:nextCondLst>
-                <p:cond evt="onNext" delay="0">
-                  <p:tgtEl>
-                    <p:sldTgt/>
-                  </p:tgtEl>
-                </p:cond>
-              </p:nextCondLst>
-            </p:seq>
-          </p:childTnLst>
-        </p:cTn>
-      </p:par>
-    </p:tnLst>
-    <p:bldLst>
-      <p:bldP spid="3" grpId="0" animBg="1"/>
-      <p:bldP spid="6" grpId="0" animBg="1"/>
-    </p:bldLst>
   </p:timing>
 </p:sld>
 </file>
@@ -12393,7 +12393,7 @@
         </p:blipFill>
         <p:spPr>
           <a:xfrm>
-            <a:off x="0" y="-136187"/>
+            <a:off x="0" y="3778"/>
             <a:ext cx="12192000" cy="6858000"/>
           </a:xfrm>
           <a:prstGeom prst="rect">
@@ -13610,7 +13610,7 @@
         </p:blipFill>
         <p:spPr>
           <a:xfrm>
-            <a:off x="0" y="12740"/>
+            <a:off x="0" y="-18632"/>
             <a:ext cx="12192000" cy="6858000"/>
           </a:xfrm>
           <a:prstGeom prst="rect">
@@ -13680,14 +13680,13 @@
               </a:ext>
             </a:extLst>
           </a:blip>
-          <a:stretch>
-            <a:fillRect/>
-          </a:stretch>
+          <a:srcRect/>
+          <a:stretch/>
         </p:blipFill>
         <p:spPr>
           <a:xfrm>
             <a:off x="2529188" y="1184507"/>
-            <a:ext cx="6919938" cy="5535950"/>
+            <a:ext cx="6919937" cy="5535950"/>
           </a:xfrm>
           <a:prstGeom prst="rect">
             <a:avLst/>
@@ -13708,7 +13707,7 @@
         </p:nvSpPr>
         <p:spPr>
           <a:xfrm>
-            <a:off x="3258766" y="2242226"/>
+            <a:off x="6389618" y="1831011"/>
             <a:ext cx="1381328" cy="1186774"/>
           </a:xfrm>
           <a:prstGeom prst="star5">
@@ -13745,10 +13744,10 @@
       </p:sp>
       <p:sp>
         <p:nvSpPr>
-          <p:cNvPr id="10" name="Estrella: 5 puntas 9">
+          <p:cNvPr id="12" name="Estrella: 5 puntas 11">
             <a:extLst>
               <a:ext uri="{FF2B5EF4-FFF2-40B4-BE49-F238E27FC236}">
-                <a16:creationId xmlns:a16="http://schemas.microsoft.com/office/drawing/2014/main" id="{3E48C7A5-2365-101D-BCFB-0F989D38B85C}"/>
+                <a16:creationId xmlns:a16="http://schemas.microsoft.com/office/drawing/2014/main" id="{D5D4E7EF-693A-4B95-BEC6-FACA47015EBF}"/>
               </a:ext>
             </a:extLst>
           </p:cNvPr>
@@ -13757,8 +13756,8 @@
         </p:nvSpPr>
         <p:spPr>
           <a:xfrm>
-            <a:off x="3385222" y="4554173"/>
-            <a:ext cx="1202987" cy="883589"/>
+            <a:off x="3385221" y="2323884"/>
+            <a:ext cx="1134527" cy="883589"/>
           </a:xfrm>
           <a:prstGeom prst="star5">
             <a:avLst/>
@@ -13794,10 +13793,10 @@
       </p:sp>
       <p:sp>
         <p:nvSpPr>
-          <p:cNvPr id="12" name="Estrella: 5 puntas 11">
+          <p:cNvPr id="16" name="Estrella: 5 puntas 15">
             <a:extLst>
               <a:ext uri="{FF2B5EF4-FFF2-40B4-BE49-F238E27FC236}">
-                <a16:creationId xmlns:a16="http://schemas.microsoft.com/office/drawing/2014/main" id="{D5D4E7EF-693A-4B95-BEC6-FACA47015EBF}"/>
+                <a16:creationId xmlns:a16="http://schemas.microsoft.com/office/drawing/2014/main" id="{B2E14D27-ACF6-DCEF-0DC2-CFFE09719152}"/>
               </a:ext>
             </a:extLst>
           </p:cNvPr>
@@ -13806,8 +13805,8 @@
         </p:nvSpPr>
         <p:spPr>
           <a:xfrm>
-            <a:off x="5058383" y="2334638"/>
-            <a:ext cx="959794" cy="693900"/>
+            <a:off x="6389618" y="3637230"/>
+            <a:ext cx="833059" cy="630504"/>
           </a:xfrm>
           <a:prstGeom prst="star5">
             <a:avLst/>
@@ -13843,10 +13842,10 @@
       </p:sp>
       <p:sp>
         <p:nvSpPr>
-          <p:cNvPr id="14" name="Estrella: 5 puntas 13">
+          <p:cNvPr id="18" name="Estrella: 5 puntas 17">
             <a:extLst>
               <a:ext uri="{FF2B5EF4-FFF2-40B4-BE49-F238E27FC236}">
-                <a16:creationId xmlns:a16="http://schemas.microsoft.com/office/drawing/2014/main" id="{F8A0823E-7F39-EB85-0BC7-8421C866B626}"/>
+                <a16:creationId xmlns:a16="http://schemas.microsoft.com/office/drawing/2014/main" id="{F4955C7D-803D-894B-4846-D90B6675F6D3}"/>
               </a:ext>
             </a:extLst>
           </p:cNvPr>
@@ -13855,106 +13854,8 @@
         </p:nvSpPr>
         <p:spPr>
           <a:xfrm>
-            <a:off x="6567788" y="2070377"/>
-            <a:ext cx="1202987" cy="883589"/>
-          </a:xfrm>
-          <a:prstGeom prst="star5">
-            <a:avLst/>
-          </a:prstGeom>
-          <a:solidFill>
-            <a:schemeClr val="bg1"/>
-          </a:solidFill>
-        </p:spPr>
-        <p:style>
-          <a:lnRef idx="2">
-            <a:schemeClr val="accent1">
-              <a:shade val="50000"/>
-            </a:schemeClr>
-          </a:lnRef>
-          <a:fillRef idx="1">
-            <a:schemeClr val="accent1"/>
-          </a:fillRef>
-          <a:effectRef idx="0">
-            <a:schemeClr val="accent1"/>
-          </a:effectRef>
-          <a:fontRef idx="minor">
-            <a:schemeClr val="lt1"/>
-          </a:fontRef>
-        </p:style>
-        <p:txBody>
-          <a:bodyPr rtlCol="0" anchor="ctr"/>
-          <a:lstStyle/>
-          <a:p>
-            <a:pPr algn="ctr"/>
-            <a:endParaRPr lang="es-ES"/>
-          </a:p>
-        </p:txBody>
-      </p:sp>
-      <p:sp>
-        <p:nvSpPr>
-          <p:cNvPr id="16" name="Estrella: 5 puntas 15">
-            <a:extLst>
-              <a:ext uri="{FF2B5EF4-FFF2-40B4-BE49-F238E27FC236}">
-                <a16:creationId xmlns:a16="http://schemas.microsoft.com/office/drawing/2014/main" id="{B2E14D27-ACF6-DCEF-0DC2-CFFE09719152}"/>
-              </a:ext>
-            </a:extLst>
-          </p:cNvPr>
-          <p:cNvSpPr/>
-          <p:nvPr/>
-        </p:nvSpPr>
-        <p:spPr>
-          <a:xfrm>
-            <a:off x="6332706" y="3647872"/>
-            <a:ext cx="1092742" cy="630504"/>
-          </a:xfrm>
-          <a:prstGeom prst="star5">
-            <a:avLst/>
-          </a:prstGeom>
-          <a:solidFill>
-            <a:schemeClr val="bg1"/>
-          </a:solidFill>
-        </p:spPr>
-        <p:style>
-          <a:lnRef idx="2">
-            <a:schemeClr val="accent1">
-              <a:shade val="50000"/>
-            </a:schemeClr>
-          </a:lnRef>
-          <a:fillRef idx="1">
-            <a:schemeClr val="accent1"/>
-          </a:fillRef>
-          <a:effectRef idx="0">
-            <a:schemeClr val="accent1"/>
-          </a:effectRef>
-          <a:fontRef idx="minor">
-            <a:schemeClr val="lt1"/>
-          </a:fontRef>
-        </p:style>
-        <p:txBody>
-          <a:bodyPr rtlCol="0" anchor="ctr"/>
-          <a:lstStyle/>
-          <a:p>
-            <a:pPr algn="ctr"/>
-            <a:endParaRPr lang="es-ES"/>
-          </a:p>
-        </p:txBody>
-      </p:sp>
-      <p:sp>
-        <p:nvSpPr>
-          <p:cNvPr id="18" name="Estrella: 5 puntas 17">
-            <a:extLst>
-              <a:ext uri="{FF2B5EF4-FFF2-40B4-BE49-F238E27FC236}">
-                <a16:creationId xmlns:a16="http://schemas.microsoft.com/office/drawing/2014/main" id="{F4955C7D-803D-894B-4846-D90B6675F6D3}"/>
-              </a:ext>
-            </a:extLst>
-          </p:cNvPr>
-          <p:cNvSpPr/>
-          <p:nvPr/>
-        </p:nvSpPr>
-        <p:spPr>
-          <a:xfrm>
-            <a:off x="5087564" y="4368358"/>
-            <a:ext cx="959794" cy="693900"/>
+            <a:off x="5182479" y="4373164"/>
+            <a:ext cx="769964" cy="693900"/>
           </a:xfrm>
           <a:prstGeom prst="star5">
             <a:avLst>
@@ -14157,6 +14058,202 @@
               <a:rPr lang="es-ES" dirty="0"/>
               <a:t>Caso provocado por el COVID</a:t>
             </a:r>
+          </a:p>
+        </p:txBody>
+      </p:sp>
+      <p:sp>
+        <p:nvSpPr>
+          <p:cNvPr id="2" name="Estrella: 5 puntas 1">
+            <a:extLst>
+              <a:ext uri="{FF2B5EF4-FFF2-40B4-BE49-F238E27FC236}">
+                <a16:creationId xmlns:a16="http://schemas.microsoft.com/office/drawing/2014/main" id="{8D8C7B7F-9D2A-6014-7673-EC3B94330EC7}"/>
+              </a:ext>
+            </a:extLst>
+          </p:cNvPr>
+          <p:cNvSpPr/>
+          <p:nvPr/>
+        </p:nvSpPr>
+        <p:spPr>
+          <a:xfrm>
+            <a:off x="5087564" y="2207953"/>
+            <a:ext cx="959794" cy="883589"/>
+          </a:xfrm>
+          <a:prstGeom prst="star5">
+            <a:avLst/>
+          </a:prstGeom>
+          <a:solidFill>
+            <a:schemeClr val="tx1"/>
+          </a:solidFill>
+        </p:spPr>
+        <p:style>
+          <a:lnRef idx="2">
+            <a:schemeClr val="accent1">
+              <a:shade val="50000"/>
+            </a:schemeClr>
+          </a:lnRef>
+          <a:fillRef idx="1">
+            <a:schemeClr val="accent1"/>
+          </a:fillRef>
+          <a:effectRef idx="0">
+            <a:schemeClr val="accent1"/>
+          </a:effectRef>
+          <a:fontRef idx="minor">
+            <a:schemeClr val="lt1"/>
+          </a:fontRef>
+        </p:style>
+        <p:txBody>
+          <a:bodyPr rtlCol="0" anchor="ctr"/>
+          <a:lstStyle/>
+          <a:p>
+            <a:pPr algn="ctr"/>
+            <a:endParaRPr lang="es-ES"/>
+          </a:p>
+        </p:txBody>
+      </p:sp>
+      <p:sp>
+        <p:nvSpPr>
+          <p:cNvPr id="6" name="Estrella: 5 puntas 5">
+            <a:extLst>
+              <a:ext uri="{FF2B5EF4-FFF2-40B4-BE49-F238E27FC236}">
+                <a16:creationId xmlns:a16="http://schemas.microsoft.com/office/drawing/2014/main" id="{E1D2D014-B280-90F3-C6BD-2D67796B32DF}"/>
+              </a:ext>
+            </a:extLst>
+          </p:cNvPr>
+          <p:cNvSpPr/>
+          <p:nvPr/>
+        </p:nvSpPr>
+        <p:spPr>
+          <a:xfrm>
+            <a:off x="3385221" y="4522170"/>
+            <a:ext cx="959794" cy="883589"/>
+          </a:xfrm>
+          <a:prstGeom prst="star5">
+            <a:avLst/>
+          </a:prstGeom>
+          <a:solidFill>
+            <a:schemeClr val="tx1"/>
+          </a:solidFill>
+        </p:spPr>
+        <p:style>
+          <a:lnRef idx="2">
+            <a:schemeClr val="accent1">
+              <a:shade val="50000"/>
+            </a:schemeClr>
+          </a:lnRef>
+          <a:fillRef idx="1">
+            <a:schemeClr val="accent1"/>
+          </a:fillRef>
+          <a:effectRef idx="0">
+            <a:schemeClr val="accent1"/>
+          </a:effectRef>
+          <a:fontRef idx="minor">
+            <a:schemeClr val="lt1"/>
+          </a:fontRef>
+        </p:style>
+        <p:txBody>
+          <a:bodyPr rtlCol="0" anchor="ctr"/>
+          <a:lstStyle/>
+          <a:p>
+            <a:pPr algn="ctr"/>
+            <a:endParaRPr lang="es-ES"/>
+          </a:p>
+        </p:txBody>
+      </p:sp>
+      <p:sp>
+        <p:nvSpPr>
+          <p:cNvPr id="8" name="Estrella: 5 puntas 7">
+            <a:extLst>
+              <a:ext uri="{FF2B5EF4-FFF2-40B4-BE49-F238E27FC236}">
+                <a16:creationId xmlns:a16="http://schemas.microsoft.com/office/drawing/2014/main" id="{2D20500D-AC81-8ED4-B868-C0712AE80C92}"/>
+              </a:ext>
+            </a:extLst>
+          </p:cNvPr>
+          <p:cNvSpPr/>
+          <p:nvPr/>
+        </p:nvSpPr>
+        <p:spPr>
+          <a:xfrm>
+            <a:off x="6263800" y="4743899"/>
+            <a:ext cx="959794" cy="883589"/>
+          </a:xfrm>
+          <a:prstGeom prst="star5">
+            <a:avLst/>
+          </a:prstGeom>
+          <a:solidFill>
+            <a:schemeClr val="tx1"/>
+          </a:solidFill>
+        </p:spPr>
+        <p:style>
+          <a:lnRef idx="2">
+            <a:schemeClr val="accent1">
+              <a:shade val="50000"/>
+            </a:schemeClr>
+          </a:lnRef>
+          <a:fillRef idx="1">
+            <a:schemeClr val="accent1"/>
+          </a:fillRef>
+          <a:effectRef idx="0">
+            <a:schemeClr val="accent1"/>
+          </a:effectRef>
+          <a:fontRef idx="minor">
+            <a:schemeClr val="lt1"/>
+          </a:fontRef>
+        </p:style>
+        <p:txBody>
+          <a:bodyPr rtlCol="0" anchor="ctr"/>
+          <a:lstStyle/>
+          <a:p>
+            <a:pPr algn="ctr"/>
+            <a:endParaRPr lang="es-ES"/>
+          </a:p>
+        </p:txBody>
+      </p:sp>
+      <p:sp>
+        <p:nvSpPr>
+          <p:cNvPr id="11" name="Estrella: 5 puntas 10">
+            <a:extLst>
+              <a:ext uri="{FF2B5EF4-FFF2-40B4-BE49-F238E27FC236}">
+                <a16:creationId xmlns:a16="http://schemas.microsoft.com/office/drawing/2014/main" id="{C67B16F4-6199-4C52-8F44-F9B28E99B0B9}"/>
+              </a:ext>
+            </a:extLst>
+          </p:cNvPr>
+          <p:cNvSpPr/>
+          <p:nvPr/>
+        </p:nvSpPr>
+        <p:spPr>
+          <a:xfrm>
+            <a:off x="8180564" y="2066853"/>
+            <a:ext cx="959794" cy="883589"/>
+          </a:xfrm>
+          <a:prstGeom prst="star5">
+            <a:avLst/>
+          </a:prstGeom>
+          <a:solidFill>
+            <a:schemeClr val="tx1"/>
+          </a:solidFill>
+        </p:spPr>
+        <p:style>
+          <a:lnRef idx="2">
+            <a:schemeClr val="accent1">
+              <a:shade val="50000"/>
+            </a:schemeClr>
+          </a:lnRef>
+          <a:fillRef idx="1">
+            <a:schemeClr val="accent1"/>
+          </a:fillRef>
+          <a:effectRef idx="0">
+            <a:schemeClr val="accent1"/>
+          </a:effectRef>
+          <a:fontRef idx="minor">
+            <a:schemeClr val="lt1"/>
+          </a:fontRef>
+        </p:style>
+        <p:txBody>
+          <a:bodyPr rtlCol="0" anchor="ctr"/>
+          <a:lstStyle/>
+          <a:p>
+            <a:pPr algn="ctr"/>
+            <a:endParaRPr lang="es-ES"/>
           </a:p>
         </p:txBody>
       </p:sp>
@@ -14285,7 +14382,7 @@
                                           </p:stCondLst>
                                         </p:cTn>
                                         <p:tgtEl>
-                                          <p:spTgt spid="14"/>
+                                          <p:spTgt spid="16"/>
                                         </p:tgtEl>
                                         <p:attrNameLst>
                                           <p:attrName>style.visibility</p:attrName>
@@ -14299,7 +14396,7 @@
                                       <p:cBhvr>
                                         <p:cTn id="12" dur="500" fill="hold"/>
                                         <p:tgtEl>
-                                          <p:spTgt spid="14"/>
+                                          <p:spTgt spid="16"/>
                                         </p:tgtEl>
                                         <p:attrNameLst>
                                           <p:attrName>ppt_w</p:attrName>
@@ -14322,7 +14419,7 @@
                                       <p:cBhvr>
                                         <p:cTn id="13" dur="500" fill="hold"/>
                                         <p:tgtEl>
-                                          <p:spTgt spid="14"/>
+                                          <p:spTgt spid="16"/>
                                         </p:tgtEl>
                                         <p:attrNameLst>
                                           <p:attrName>ppt_h</p:attrName>
@@ -14345,7 +14442,7 @@
                                       <p:cBhvr>
                                         <p:cTn id="14" dur="500"/>
                                         <p:tgtEl>
-                                          <p:spTgt spid="14"/>
+                                          <p:spTgt spid="16"/>
                                         </p:tgtEl>
                                       </p:cBhvr>
                                     </p:animEffect>
@@ -14366,7 +14463,7 @@
                                           </p:stCondLst>
                                         </p:cTn>
                                         <p:tgtEl>
-                                          <p:spTgt spid="16"/>
+                                          <p:spTgt spid="18"/>
                                         </p:tgtEl>
                                         <p:attrNameLst>
                                           <p:attrName>style.visibility</p:attrName>
@@ -14380,7 +14477,7 @@
                                       <p:cBhvr>
                                         <p:cTn id="17" dur="500" fill="hold"/>
                                         <p:tgtEl>
-                                          <p:spTgt spid="16"/>
+                                          <p:spTgt spid="18"/>
                                         </p:tgtEl>
                                         <p:attrNameLst>
                                           <p:attrName>ppt_w</p:attrName>
@@ -14403,7 +14500,7 @@
                                       <p:cBhvr>
                                         <p:cTn id="18" dur="500" fill="hold"/>
                                         <p:tgtEl>
-                                          <p:spTgt spid="16"/>
+                                          <p:spTgt spid="18"/>
                                         </p:tgtEl>
                                         <p:attrNameLst>
                                           <p:attrName>ppt_h</p:attrName>
@@ -14426,169 +14523,7 @@
                                       <p:cBhvr>
                                         <p:cTn id="19" dur="500"/>
                                         <p:tgtEl>
-                                          <p:spTgt spid="16"/>
-                                        </p:tgtEl>
-                                      </p:cBhvr>
-                                    </p:animEffect>
-                                  </p:childTnLst>
-                                </p:cTn>
-                              </p:par>
-                              <p:par>
-                                <p:cTn id="20" presetID="53" presetClass="entr" presetSubtype="16" fill="hold" grpId="0" nodeType="withEffect">
-                                  <p:stCondLst>
-                                    <p:cond delay="0"/>
-                                  </p:stCondLst>
-                                  <p:childTnLst>
-                                    <p:set>
-                                      <p:cBhvr>
-                                        <p:cTn id="21" dur="1" fill="hold">
-                                          <p:stCondLst>
-                                            <p:cond delay="0"/>
-                                          </p:stCondLst>
-                                        </p:cTn>
-                                        <p:tgtEl>
                                           <p:spTgt spid="18"/>
-                                        </p:tgtEl>
-                                        <p:attrNameLst>
-                                          <p:attrName>style.visibility</p:attrName>
-                                        </p:attrNameLst>
-                                      </p:cBhvr>
-                                      <p:to>
-                                        <p:strVal val="visible"/>
-                                      </p:to>
-                                    </p:set>
-                                    <p:anim calcmode="lin" valueType="num">
-                                      <p:cBhvr>
-                                        <p:cTn id="22" dur="500" fill="hold"/>
-                                        <p:tgtEl>
-                                          <p:spTgt spid="18"/>
-                                        </p:tgtEl>
-                                        <p:attrNameLst>
-                                          <p:attrName>ppt_w</p:attrName>
-                                        </p:attrNameLst>
-                                      </p:cBhvr>
-                                      <p:tavLst>
-                                        <p:tav tm="0">
-                                          <p:val>
-                                            <p:fltVal val="0"/>
-                                          </p:val>
-                                        </p:tav>
-                                        <p:tav tm="100000">
-                                          <p:val>
-                                            <p:strVal val="#ppt_w"/>
-                                          </p:val>
-                                        </p:tav>
-                                      </p:tavLst>
-                                    </p:anim>
-                                    <p:anim calcmode="lin" valueType="num">
-                                      <p:cBhvr>
-                                        <p:cTn id="23" dur="500" fill="hold"/>
-                                        <p:tgtEl>
-                                          <p:spTgt spid="18"/>
-                                        </p:tgtEl>
-                                        <p:attrNameLst>
-                                          <p:attrName>ppt_h</p:attrName>
-                                        </p:attrNameLst>
-                                      </p:cBhvr>
-                                      <p:tavLst>
-                                        <p:tav tm="0">
-                                          <p:val>
-                                            <p:fltVal val="0"/>
-                                          </p:val>
-                                        </p:tav>
-                                        <p:tav tm="100000">
-                                          <p:val>
-                                            <p:strVal val="#ppt_h"/>
-                                          </p:val>
-                                        </p:tav>
-                                      </p:tavLst>
-                                    </p:anim>
-                                    <p:animEffect transition="in" filter="fade">
-                                      <p:cBhvr>
-                                        <p:cTn id="24" dur="500"/>
-                                        <p:tgtEl>
-                                          <p:spTgt spid="18"/>
-                                        </p:tgtEl>
-                                      </p:cBhvr>
-                                    </p:animEffect>
-                                  </p:childTnLst>
-                                </p:cTn>
-                              </p:par>
-                              <p:par>
-                                <p:cTn id="25" presetID="53" presetClass="entr" presetSubtype="16" fill="hold" grpId="0" nodeType="withEffect">
-                                  <p:stCondLst>
-                                    <p:cond delay="0"/>
-                                  </p:stCondLst>
-                                  <p:childTnLst>
-                                    <p:set>
-                                      <p:cBhvr>
-                                        <p:cTn id="26" dur="1" fill="hold">
-                                          <p:stCondLst>
-                                            <p:cond delay="0"/>
-                                          </p:stCondLst>
-                                        </p:cTn>
-                                        <p:tgtEl>
-                                          <p:spTgt spid="10"/>
-                                        </p:tgtEl>
-                                        <p:attrNameLst>
-                                          <p:attrName>style.visibility</p:attrName>
-                                        </p:attrNameLst>
-                                      </p:cBhvr>
-                                      <p:to>
-                                        <p:strVal val="visible"/>
-                                      </p:to>
-                                    </p:set>
-                                    <p:anim calcmode="lin" valueType="num">
-                                      <p:cBhvr>
-                                        <p:cTn id="27" dur="500" fill="hold"/>
-                                        <p:tgtEl>
-                                          <p:spTgt spid="10"/>
-                                        </p:tgtEl>
-                                        <p:attrNameLst>
-                                          <p:attrName>ppt_w</p:attrName>
-                                        </p:attrNameLst>
-                                      </p:cBhvr>
-                                      <p:tavLst>
-                                        <p:tav tm="0">
-                                          <p:val>
-                                            <p:fltVal val="0"/>
-                                          </p:val>
-                                        </p:tav>
-                                        <p:tav tm="100000">
-                                          <p:val>
-                                            <p:strVal val="#ppt_w"/>
-                                          </p:val>
-                                        </p:tav>
-                                      </p:tavLst>
-                                    </p:anim>
-                                    <p:anim calcmode="lin" valueType="num">
-                                      <p:cBhvr>
-                                        <p:cTn id="28" dur="500" fill="hold"/>
-                                        <p:tgtEl>
-                                          <p:spTgt spid="10"/>
-                                        </p:tgtEl>
-                                        <p:attrNameLst>
-                                          <p:attrName>ppt_h</p:attrName>
-                                        </p:attrNameLst>
-                                      </p:cBhvr>
-                                      <p:tavLst>
-                                        <p:tav tm="0">
-                                          <p:val>
-                                            <p:fltVal val="0"/>
-                                          </p:val>
-                                        </p:tav>
-                                        <p:tav tm="100000">
-                                          <p:val>
-                                            <p:strVal val="#ppt_h"/>
-                                          </p:val>
-                                        </p:tav>
-                                      </p:tavLst>
-                                    </p:anim>
-                                    <p:animEffect transition="in" filter="fade">
-                                      <p:cBhvr>
-                                        <p:cTn id="29" dur="500"/>
-                                        <p:tgtEl>
-                                          <p:spTgt spid="10"/>
                                         </p:tgtEl>
                                       </p:cBhvr>
                                     </p:animEffect>
@@ -14602,26 +14537,26 @@
                     </p:cTn>
                   </p:par>
                   <p:par>
-                    <p:cTn id="30" fill="hold">
+                    <p:cTn id="20" fill="hold">
                       <p:stCondLst>
                         <p:cond delay="indefinite"/>
                       </p:stCondLst>
                       <p:childTnLst>
                         <p:par>
-                          <p:cTn id="31" fill="hold">
+                          <p:cTn id="21" fill="hold">
                             <p:stCondLst>
                               <p:cond delay="0"/>
                             </p:stCondLst>
                             <p:childTnLst>
                               <p:par>
-                                <p:cTn id="32" presetID="31" presetClass="entr" presetSubtype="0" fill="hold" grpId="0" nodeType="clickEffect">
+                                <p:cTn id="22" presetID="31" presetClass="entr" presetSubtype="0" fill="hold" grpId="0" nodeType="clickEffect">
                                   <p:stCondLst>
                                     <p:cond delay="0"/>
                                   </p:stCondLst>
                                   <p:childTnLst>
                                     <p:set>
                                       <p:cBhvr>
-                                        <p:cTn id="33" dur="1" fill="hold">
+                                        <p:cTn id="23" dur="1" fill="hold">
                                           <p:stCondLst>
                                             <p:cond delay="0"/>
                                           </p:stCondLst>
@@ -14639,7 +14574,7 @@
                                     </p:set>
                                     <p:anim calcmode="lin" valueType="num">
                                       <p:cBhvr>
-                                        <p:cTn id="34" dur="1000" fill="hold"/>
+                                        <p:cTn id="24" dur="1000" fill="hold"/>
                                         <p:tgtEl>
                                           <p:spTgt spid="4"/>
                                         </p:tgtEl>
@@ -14662,7 +14597,7 @@
                                     </p:anim>
                                     <p:anim calcmode="lin" valueType="num">
                                       <p:cBhvr>
-                                        <p:cTn id="35" dur="1000" fill="hold"/>
+                                        <p:cTn id="25" dur="1000" fill="hold"/>
                                         <p:tgtEl>
                                           <p:spTgt spid="4"/>
                                         </p:tgtEl>
@@ -14685,7 +14620,7 @@
                                     </p:anim>
                                     <p:anim calcmode="lin" valueType="num">
                                       <p:cBhvr>
-                                        <p:cTn id="36" dur="1000" fill="hold"/>
+                                        <p:cTn id="26" dur="1000" fill="hold"/>
                                         <p:tgtEl>
                                           <p:spTgt spid="4"/>
                                         </p:tgtEl>
@@ -14708,9 +14643,425 @@
                                     </p:anim>
                                     <p:animEffect transition="in" filter="fade">
                                       <p:cBhvr>
-                                        <p:cTn id="37" dur="1000"/>
+                                        <p:cTn id="27" dur="1000"/>
                                         <p:tgtEl>
                                           <p:spTgt spid="4"/>
+                                        </p:tgtEl>
+                                      </p:cBhvr>
+                                    </p:animEffect>
+                                  </p:childTnLst>
+                                </p:cTn>
+                              </p:par>
+                              <p:par>
+                                <p:cTn id="28" presetID="31" presetClass="entr" presetSubtype="0" fill="hold" grpId="0" nodeType="withEffect">
+                                  <p:stCondLst>
+                                    <p:cond delay="0"/>
+                                  </p:stCondLst>
+                                  <p:childTnLst>
+                                    <p:set>
+                                      <p:cBhvr>
+                                        <p:cTn id="29" dur="1" fill="hold">
+                                          <p:stCondLst>
+                                            <p:cond delay="0"/>
+                                          </p:stCondLst>
+                                        </p:cTn>
+                                        <p:tgtEl>
+                                          <p:spTgt spid="2"/>
+                                        </p:tgtEl>
+                                        <p:attrNameLst>
+                                          <p:attrName>style.visibility</p:attrName>
+                                        </p:attrNameLst>
+                                      </p:cBhvr>
+                                      <p:to>
+                                        <p:strVal val="visible"/>
+                                      </p:to>
+                                    </p:set>
+                                    <p:anim calcmode="lin" valueType="num">
+                                      <p:cBhvr>
+                                        <p:cTn id="30" dur="1000" fill="hold"/>
+                                        <p:tgtEl>
+                                          <p:spTgt spid="2"/>
+                                        </p:tgtEl>
+                                        <p:attrNameLst>
+                                          <p:attrName>ppt_w</p:attrName>
+                                        </p:attrNameLst>
+                                      </p:cBhvr>
+                                      <p:tavLst>
+                                        <p:tav tm="0">
+                                          <p:val>
+                                            <p:fltVal val="0"/>
+                                          </p:val>
+                                        </p:tav>
+                                        <p:tav tm="100000">
+                                          <p:val>
+                                            <p:strVal val="#ppt_w"/>
+                                          </p:val>
+                                        </p:tav>
+                                      </p:tavLst>
+                                    </p:anim>
+                                    <p:anim calcmode="lin" valueType="num">
+                                      <p:cBhvr>
+                                        <p:cTn id="31" dur="1000" fill="hold"/>
+                                        <p:tgtEl>
+                                          <p:spTgt spid="2"/>
+                                        </p:tgtEl>
+                                        <p:attrNameLst>
+                                          <p:attrName>ppt_h</p:attrName>
+                                        </p:attrNameLst>
+                                      </p:cBhvr>
+                                      <p:tavLst>
+                                        <p:tav tm="0">
+                                          <p:val>
+                                            <p:fltVal val="0"/>
+                                          </p:val>
+                                        </p:tav>
+                                        <p:tav tm="100000">
+                                          <p:val>
+                                            <p:strVal val="#ppt_h"/>
+                                          </p:val>
+                                        </p:tav>
+                                      </p:tavLst>
+                                    </p:anim>
+                                    <p:anim calcmode="lin" valueType="num">
+                                      <p:cBhvr>
+                                        <p:cTn id="32" dur="1000" fill="hold"/>
+                                        <p:tgtEl>
+                                          <p:spTgt spid="2"/>
+                                        </p:tgtEl>
+                                        <p:attrNameLst>
+                                          <p:attrName>style.rotation</p:attrName>
+                                        </p:attrNameLst>
+                                      </p:cBhvr>
+                                      <p:tavLst>
+                                        <p:tav tm="0">
+                                          <p:val>
+                                            <p:fltVal val="90"/>
+                                          </p:val>
+                                        </p:tav>
+                                        <p:tav tm="100000">
+                                          <p:val>
+                                            <p:fltVal val="0"/>
+                                          </p:val>
+                                        </p:tav>
+                                      </p:tavLst>
+                                    </p:anim>
+                                    <p:animEffect transition="in" filter="fade">
+                                      <p:cBhvr>
+                                        <p:cTn id="33" dur="1000"/>
+                                        <p:tgtEl>
+                                          <p:spTgt spid="2"/>
+                                        </p:tgtEl>
+                                      </p:cBhvr>
+                                    </p:animEffect>
+                                  </p:childTnLst>
+                                </p:cTn>
+                              </p:par>
+                              <p:par>
+                                <p:cTn id="34" presetID="31" presetClass="entr" presetSubtype="0" fill="hold" grpId="0" nodeType="withEffect">
+                                  <p:stCondLst>
+                                    <p:cond delay="0"/>
+                                  </p:stCondLst>
+                                  <p:childTnLst>
+                                    <p:set>
+                                      <p:cBhvr>
+                                        <p:cTn id="35" dur="1" fill="hold">
+                                          <p:stCondLst>
+                                            <p:cond delay="0"/>
+                                          </p:stCondLst>
+                                        </p:cTn>
+                                        <p:tgtEl>
+                                          <p:spTgt spid="6"/>
+                                        </p:tgtEl>
+                                        <p:attrNameLst>
+                                          <p:attrName>style.visibility</p:attrName>
+                                        </p:attrNameLst>
+                                      </p:cBhvr>
+                                      <p:to>
+                                        <p:strVal val="visible"/>
+                                      </p:to>
+                                    </p:set>
+                                    <p:anim calcmode="lin" valueType="num">
+                                      <p:cBhvr>
+                                        <p:cTn id="36" dur="1000" fill="hold"/>
+                                        <p:tgtEl>
+                                          <p:spTgt spid="6"/>
+                                        </p:tgtEl>
+                                        <p:attrNameLst>
+                                          <p:attrName>ppt_w</p:attrName>
+                                        </p:attrNameLst>
+                                      </p:cBhvr>
+                                      <p:tavLst>
+                                        <p:tav tm="0">
+                                          <p:val>
+                                            <p:fltVal val="0"/>
+                                          </p:val>
+                                        </p:tav>
+                                        <p:tav tm="100000">
+                                          <p:val>
+                                            <p:strVal val="#ppt_w"/>
+                                          </p:val>
+                                        </p:tav>
+                                      </p:tavLst>
+                                    </p:anim>
+                                    <p:anim calcmode="lin" valueType="num">
+                                      <p:cBhvr>
+                                        <p:cTn id="37" dur="1000" fill="hold"/>
+                                        <p:tgtEl>
+                                          <p:spTgt spid="6"/>
+                                        </p:tgtEl>
+                                        <p:attrNameLst>
+                                          <p:attrName>ppt_h</p:attrName>
+                                        </p:attrNameLst>
+                                      </p:cBhvr>
+                                      <p:tavLst>
+                                        <p:tav tm="0">
+                                          <p:val>
+                                            <p:fltVal val="0"/>
+                                          </p:val>
+                                        </p:tav>
+                                        <p:tav tm="100000">
+                                          <p:val>
+                                            <p:strVal val="#ppt_h"/>
+                                          </p:val>
+                                        </p:tav>
+                                      </p:tavLst>
+                                    </p:anim>
+                                    <p:anim calcmode="lin" valueType="num">
+                                      <p:cBhvr>
+                                        <p:cTn id="38" dur="1000" fill="hold"/>
+                                        <p:tgtEl>
+                                          <p:spTgt spid="6"/>
+                                        </p:tgtEl>
+                                        <p:attrNameLst>
+                                          <p:attrName>style.rotation</p:attrName>
+                                        </p:attrNameLst>
+                                      </p:cBhvr>
+                                      <p:tavLst>
+                                        <p:tav tm="0">
+                                          <p:val>
+                                            <p:fltVal val="90"/>
+                                          </p:val>
+                                        </p:tav>
+                                        <p:tav tm="100000">
+                                          <p:val>
+                                            <p:fltVal val="0"/>
+                                          </p:val>
+                                        </p:tav>
+                                      </p:tavLst>
+                                    </p:anim>
+                                    <p:animEffect transition="in" filter="fade">
+                                      <p:cBhvr>
+                                        <p:cTn id="39" dur="1000"/>
+                                        <p:tgtEl>
+                                          <p:spTgt spid="6"/>
+                                        </p:tgtEl>
+                                      </p:cBhvr>
+                                    </p:animEffect>
+                                  </p:childTnLst>
+                                </p:cTn>
+                              </p:par>
+                              <p:par>
+                                <p:cTn id="40" presetID="31" presetClass="entr" presetSubtype="0" fill="hold" grpId="0" nodeType="withEffect">
+                                  <p:stCondLst>
+                                    <p:cond delay="0"/>
+                                  </p:stCondLst>
+                                  <p:childTnLst>
+                                    <p:set>
+                                      <p:cBhvr>
+                                        <p:cTn id="41" dur="1" fill="hold">
+                                          <p:stCondLst>
+                                            <p:cond delay="0"/>
+                                          </p:stCondLst>
+                                        </p:cTn>
+                                        <p:tgtEl>
+                                          <p:spTgt spid="8"/>
+                                        </p:tgtEl>
+                                        <p:attrNameLst>
+                                          <p:attrName>style.visibility</p:attrName>
+                                        </p:attrNameLst>
+                                      </p:cBhvr>
+                                      <p:to>
+                                        <p:strVal val="visible"/>
+                                      </p:to>
+                                    </p:set>
+                                    <p:anim calcmode="lin" valueType="num">
+                                      <p:cBhvr>
+                                        <p:cTn id="42" dur="1000" fill="hold"/>
+                                        <p:tgtEl>
+                                          <p:spTgt spid="8"/>
+                                        </p:tgtEl>
+                                        <p:attrNameLst>
+                                          <p:attrName>ppt_w</p:attrName>
+                                        </p:attrNameLst>
+                                      </p:cBhvr>
+                                      <p:tavLst>
+                                        <p:tav tm="0">
+                                          <p:val>
+                                            <p:fltVal val="0"/>
+                                          </p:val>
+                                        </p:tav>
+                                        <p:tav tm="100000">
+                                          <p:val>
+                                            <p:strVal val="#ppt_w"/>
+                                          </p:val>
+                                        </p:tav>
+                                      </p:tavLst>
+                                    </p:anim>
+                                    <p:anim calcmode="lin" valueType="num">
+                                      <p:cBhvr>
+                                        <p:cTn id="43" dur="1000" fill="hold"/>
+                                        <p:tgtEl>
+                                          <p:spTgt spid="8"/>
+                                        </p:tgtEl>
+                                        <p:attrNameLst>
+                                          <p:attrName>ppt_h</p:attrName>
+                                        </p:attrNameLst>
+                                      </p:cBhvr>
+                                      <p:tavLst>
+                                        <p:tav tm="0">
+                                          <p:val>
+                                            <p:fltVal val="0"/>
+                                          </p:val>
+                                        </p:tav>
+                                        <p:tav tm="100000">
+                                          <p:val>
+                                            <p:strVal val="#ppt_h"/>
+                                          </p:val>
+                                        </p:tav>
+                                      </p:tavLst>
+                                    </p:anim>
+                                    <p:anim calcmode="lin" valueType="num">
+                                      <p:cBhvr>
+                                        <p:cTn id="44" dur="1000" fill="hold"/>
+                                        <p:tgtEl>
+                                          <p:spTgt spid="8"/>
+                                        </p:tgtEl>
+                                        <p:attrNameLst>
+                                          <p:attrName>style.rotation</p:attrName>
+                                        </p:attrNameLst>
+                                      </p:cBhvr>
+                                      <p:tavLst>
+                                        <p:tav tm="0">
+                                          <p:val>
+                                            <p:fltVal val="90"/>
+                                          </p:val>
+                                        </p:tav>
+                                        <p:tav tm="100000">
+                                          <p:val>
+                                            <p:fltVal val="0"/>
+                                          </p:val>
+                                        </p:tav>
+                                      </p:tavLst>
+                                    </p:anim>
+                                    <p:animEffect transition="in" filter="fade">
+                                      <p:cBhvr>
+                                        <p:cTn id="45" dur="1000"/>
+                                        <p:tgtEl>
+                                          <p:spTgt spid="8"/>
+                                        </p:tgtEl>
+                                      </p:cBhvr>
+                                    </p:animEffect>
+                                  </p:childTnLst>
+                                </p:cTn>
+                              </p:par>
+                              <p:par>
+                                <p:cTn id="46" presetID="31" presetClass="entr" presetSubtype="0" fill="hold" grpId="0" nodeType="withEffect">
+                                  <p:stCondLst>
+                                    <p:cond delay="0"/>
+                                  </p:stCondLst>
+                                  <p:childTnLst>
+                                    <p:set>
+                                      <p:cBhvr>
+                                        <p:cTn id="47" dur="1" fill="hold">
+                                          <p:stCondLst>
+                                            <p:cond delay="0"/>
+                                          </p:stCondLst>
+                                        </p:cTn>
+                                        <p:tgtEl>
+                                          <p:spTgt spid="11"/>
+                                        </p:tgtEl>
+                                        <p:attrNameLst>
+                                          <p:attrName>style.visibility</p:attrName>
+                                        </p:attrNameLst>
+                                      </p:cBhvr>
+                                      <p:to>
+                                        <p:strVal val="visible"/>
+                                      </p:to>
+                                    </p:set>
+                                    <p:anim calcmode="lin" valueType="num">
+                                      <p:cBhvr>
+                                        <p:cTn id="48" dur="1000" fill="hold"/>
+                                        <p:tgtEl>
+                                          <p:spTgt spid="11"/>
+                                        </p:tgtEl>
+                                        <p:attrNameLst>
+                                          <p:attrName>ppt_w</p:attrName>
+                                        </p:attrNameLst>
+                                      </p:cBhvr>
+                                      <p:tavLst>
+                                        <p:tav tm="0">
+                                          <p:val>
+                                            <p:fltVal val="0"/>
+                                          </p:val>
+                                        </p:tav>
+                                        <p:tav tm="100000">
+                                          <p:val>
+                                            <p:strVal val="#ppt_w"/>
+                                          </p:val>
+                                        </p:tav>
+                                      </p:tavLst>
+                                    </p:anim>
+                                    <p:anim calcmode="lin" valueType="num">
+                                      <p:cBhvr>
+                                        <p:cTn id="49" dur="1000" fill="hold"/>
+                                        <p:tgtEl>
+                                          <p:spTgt spid="11"/>
+                                        </p:tgtEl>
+                                        <p:attrNameLst>
+                                          <p:attrName>ppt_h</p:attrName>
+                                        </p:attrNameLst>
+                                      </p:cBhvr>
+                                      <p:tavLst>
+                                        <p:tav tm="0">
+                                          <p:val>
+                                            <p:fltVal val="0"/>
+                                          </p:val>
+                                        </p:tav>
+                                        <p:tav tm="100000">
+                                          <p:val>
+                                            <p:strVal val="#ppt_h"/>
+                                          </p:val>
+                                        </p:tav>
+                                      </p:tavLst>
+                                    </p:anim>
+                                    <p:anim calcmode="lin" valueType="num">
+                                      <p:cBhvr>
+                                        <p:cTn id="50" dur="1000" fill="hold"/>
+                                        <p:tgtEl>
+                                          <p:spTgt spid="11"/>
+                                        </p:tgtEl>
+                                        <p:attrNameLst>
+                                          <p:attrName>style.rotation</p:attrName>
+                                        </p:attrNameLst>
+                                      </p:cBhvr>
+                                      <p:tavLst>
+                                        <p:tav tm="0">
+                                          <p:val>
+                                            <p:fltVal val="90"/>
+                                          </p:val>
+                                        </p:tav>
+                                        <p:tav tm="100000">
+                                          <p:val>
+                                            <p:fltVal val="0"/>
+                                          </p:val>
+                                        </p:tav>
+                                      </p:tavLst>
+                                    </p:anim>
+                                    <p:animEffect transition="in" filter="fade">
+                                      <p:cBhvr>
+                                        <p:cTn id="51" dur="1000"/>
+                                        <p:tgtEl>
+                                          <p:spTgt spid="11"/>
                                         </p:tgtEl>
                                       </p:cBhvr>
                                     </p:animEffect>
@@ -14746,11 +15097,13 @@
     </p:tnLst>
     <p:bldLst>
       <p:bldP spid="4" grpId="0" animBg="1"/>
-      <p:bldP spid="10" grpId="0" animBg="1"/>
       <p:bldP spid="12" grpId="0" animBg="1"/>
-      <p:bldP spid="14" grpId="0" animBg="1"/>
       <p:bldP spid="16" grpId="0" animBg="1"/>
       <p:bldP spid="18" grpId="0" animBg="1"/>
+      <p:bldP spid="2" grpId="0" animBg="1"/>
+      <p:bldP spid="6" grpId="0" animBg="1"/>
+      <p:bldP spid="8" grpId="0" animBg="1"/>
+      <p:bldP spid="11" grpId="0" animBg="1"/>
     </p:bldLst>
   </p:timing>
 </p:sld>

--- a/Presentacion_projecto.pptx
+++ b/Presentacion_projecto.pptx
@@ -4690,7 +4690,7 @@
           <a:p>
             <a:fld id="{0B7BBFDC-1A0D-48FC-8992-8667956A2A06}" type="datetimeFigureOut">
               <a:rPr lang="es-ES" smtClean="0"/>
-              <a:t>14/09/2022</a:t>
+              <a:t>15/09/2022</a:t>
             </a:fld>
             <a:endParaRPr lang="es-ES"/>
           </a:p>
@@ -4888,7 +4888,7 @@
           <a:p>
             <a:fld id="{0B7BBFDC-1A0D-48FC-8992-8667956A2A06}" type="datetimeFigureOut">
               <a:rPr lang="es-ES" smtClean="0"/>
-              <a:t>14/09/2022</a:t>
+              <a:t>15/09/2022</a:t>
             </a:fld>
             <a:endParaRPr lang="es-ES"/>
           </a:p>
@@ -5096,7 +5096,7 @@
           <a:p>
             <a:fld id="{0B7BBFDC-1A0D-48FC-8992-8667956A2A06}" type="datetimeFigureOut">
               <a:rPr lang="es-ES" smtClean="0"/>
-              <a:t>14/09/2022</a:t>
+              <a:t>15/09/2022</a:t>
             </a:fld>
             <a:endParaRPr lang="es-ES"/>
           </a:p>
@@ -5294,7 +5294,7 @@
           <a:p>
             <a:fld id="{0B7BBFDC-1A0D-48FC-8992-8667956A2A06}" type="datetimeFigureOut">
               <a:rPr lang="es-ES" smtClean="0"/>
-              <a:t>14/09/2022</a:t>
+              <a:t>15/09/2022</a:t>
             </a:fld>
             <a:endParaRPr lang="es-ES"/>
           </a:p>
@@ -5569,7 +5569,7 @@
           <a:p>
             <a:fld id="{0B7BBFDC-1A0D-48FC-8992-8667956A2A06}" type="datetimeFigureOut">
               <a:rPr lang="es-ES" smtClean="0"/>
-              <a:t>14/09/2022</a:t>
+              <a:t>15/09/2022</a:t>
             </a:fld>
             <a:endParaRPr lang="es-ES"/>
           </a:p>
@@ -5834,7 +5834,7 @@
           <a:p>
             <a:fld id="{0B7BBFDC-1A0D-48FC-8992-8667956A2A06}" type="datetimeFigureOut">
               <a:rPr lang="es-ES" smtClean="0"/>
-              <a:t>14/09/2022</a:t>
+              <a:t>15/09/2022</a:t>
             </a:fld>
             <a:endParaRPr lang="es-ES"/>
           </a:p>
@@ -6246,7 +6246,7 @@
           <a:p>
             <a:fld id="{0B7BBFDC-1A0D-48FC-8992-8667956A2A06}" type="datetimeFigureOut">
               <a:rPr lang="es-ES" smtClean="0"/>
-              <a:t>14/09/2022</a:t>
+              <a:t>15/09/2022</a:t>
             </a:fld>
             <a:endParaRPr lang="es-ES"/>
           </a:p>
@@ -6387,7 +6387,7 @@
           <a:p>
             <a:fld id="{0B7BBFDC-1A0D-48FC-8992-8667956A2A06}" type="datetimeFigureOut">
               <a:rPr lang="es-ES" smtClean="0"/>
-              <a:t>14/09/2022</a:t>
+              <a:t>15/09/2022</a:t>
             </a:fld>
             <a:endParaRPr lang="es-ES"/>
           </a:p>
@@ -6500,7 +6500,7 @@
           <a:p>
             <a:fld id="{0B7BBFDC-1A0D-48FC-8992-8667956A2A06}" type="datetimeFigureOut">
               <a:rPr lang="es-ES" smtClean="0"/>
-              <a:t>14/09/2022</a:t>
+              <a:t>15/09/2022</a:t>
             </a:fld>
             <a:endParaRPr lang="es-ES"/>
           </a:p>
@@ -6811,7 +6811,7 @@
           <a:p>
             <a:fld id="{0B7BBFDC-1A0D-48FC-8992-8667956A2A06}" type="datetimeFigureOut">
               <a:rPr lang="es-ES" smtClean="0"/>
-              <a:t>14/09/2022</a:t>
+              <a:t>15/09/2022</a:t>
             </a:fld>
             <a:endParaRPr lang="es-ES"/>
           </a:p>
@@ -7099,7 +7099,7 @@
           <a:p>
             <a:fld id="{0B7BBFDC-1A0D-48FC-8992-8667956A2A06}" type="datetimeFigureOut">
               <a:rPr lang="es-ES" smtClean="0"/>
-              <a:t>14/09/2022</a:t>
+              <a:t>15/09/2022</a:t>
             </a:fld>
             <a:endParaRPr lang="es-ES"/>
           </a:p>
@@ -7340,7 +7340,7 @@
           <a:p>
             <a:fld id="{0B7BBFDC-1A0D-48FC-8992-8667956A2A06}" type="datetimeFigureOut">
               <a:rPr lang="es-ES" smtClean="0"/>
-              <a:t>14/09/2022</a:t>
+              <a:t>15/09/2022</a:t>
             </a:fld>
             <a:endParaRPr lang="es-ES"/>
           </a:p>
@@ -9521,7 +9521,7 @@
                   <a:schemeClr val="accent1"/>
                 </a:solidFill>
               </a:rPr>
-              <a:t>QUÉ RESULTADOS NOS DAN LOS MODELOS?</a:t>
+              <a:t>¿QUÉ RESULTADOS NOS DAN LOS MODELOS?</a:t>
             </a:r>
             <a:endParaRPr lang="es-ES" dirty="0"/>
           </a:p>
@@ -9611,9 +9611,10 @@
             <a:lstStyle/>
             <a:p>
               <a:r>
-                <a:rPr lang="es-ES" dirty="0"/>
-                <a:t>CON UNDERFITTING:</a:t>
+                <a:rPr lang="es-ES"/>
+                <a:t>CON UNDERSAMPLING:</a:t>
               </a:r>
+              <a:endParaRPr lang="es-ES" dirty="0"/>
             </a:p>
           </p:txBody>
         </p:sp>
@@ -15384,6 +15385,14 @@
               </a:rPr>
             </a:br>
             <a:r>
+              <a:rPr lang="es-ES" sz="6000" u="sng" dirty="0">
+                <a:solidFill>
+                  <a:schemeClr val="accent1"/>
+                </a:solidFill>
+              </a:rPr>
+              <a:t>¿</a:t>
+            </a:r>
+            <a:r>
               <a:rPr lang="es-ES" sz="5300" u="sng" dirty="0">
                 <a:solidFill>
                   <a:schemeClr val="accent1"/>

--- a/Presentacion_projecto.pptx
+++ b/Presentacion_projecto.pptx
@@ -10212,7 +10212,31 @@
           <a:p>
             <a:r>
               <a:rPr lang="es-ES" sz="2400" dirty="0"/>
-              <a:t>UTILIZAMOS UN PERMUTATION IMPORTANCE PARA VALORAR LOS FEATURES CON LOS QUE TRABAJAMOS</a:t>
+              <a:t>Utilizamos un </a:t>
+            </a:r>
+            <a:r>
+              <a:rPr lang="es-ES" sz="2400" u="sng" dirty="0" err="1"/>
+              <a:t>Permutation</a:t>
+            </a:r>
+            <a:r>
+              <a:rPr lang="es-ES" sz="2400" u="sng" dirty="0"/>
+              <a:t> </a:t>
+            </a:r>
+            <a:r>
+              <a:rPr lang="es-ES" sz="2400" u="sng" dirty="0" err="1"/>
+              <a:t>Importance</a:t>
+            </a:r>
+            <a:r>
+              <a:rPr lang="es-ES" sz="2400" dirty="0"/>
+              <a:t> para valorar los </a:t>
+            </a:r>
+            <a:r>
+              <a:rPr lang="es-ES" sz="2400" dirty="0" err="1"/>
+              <a:t>Features</a:t>
+            </a:r>
+            <a:r>
+              <a:rPr lang="es-ES" sz="2400" dirty="0"/>
+              <a:t> con los que trabajamos</a:t>
             </a:r>
           </a:p>
         </p:txBody>

--- a/Presentacion_projecto.pptx
+++ b/Presentacion_projecto.pptx
@@ -4690,7 +4690,7 @@
           <a:p>
             <a:fld id="{0B7BBFDC-1A0D-48FC-8992-8667956A2A06}" type="datetimeFigureOut">
               <a:rPr lang="es-ES" smtClean="0"/>
-              <a:t>15/09/2022</a:t>
+              <a:t>19/09/2022</a:t>
             </a:fld>
             <a:endParaRPr lang="es-ES"/>
           </a:p>
@@ -4888,7 +4888,7 @@
           <a:p>
             <a:fld id="{0B7BBFDC-1A0D-48FC-8992-8667956A2A06}" type="datetimeFigureOut">
               <a:rPr lang="es-ES" smtClean="0"/>
-              <a:t>15/09/2022</a:t>
+              <a:t>19/09/2022</a:t>
             </a:fld>
             <a:endParaRPr lang="es-ES"/>
           </a:p>
@@ -5096,7 +5096,7 @@
           <a:p>
             <a:fld id="{0B7BBFDC-1A0D-48FC-8992-8667956A2A06}" type="datetimeFigureOut">
               <a:rPr lang="es-ES" smtClean="0"/>
-              <a:t>15/09/2022</a:t>
+              <a:t>19/09/2022</a:t>
             </a:fld>
             <a:endParaRPr lang="es-ES"/>
           </a:p>
@@ -5294,7 +5294,7 @@
           <a:p>
             <a:fld id="{0B7BBFDC-1A0D-48FC-8992-8667956A2A06}" type="datetimeFigureOut">
               <a:rPr lang="es-ES" smtClean="0"/>
-              <a:t>15/09/2022</a:t>
+              <a:t>19/09/2022</a:t>
             </a:fld>
             <a:endParaRPr lang="es-ES"/>
           </a:p>
@@ -5569,7 +5569,7 @@
           <a:p>
             <a:fld id="{0B7BBFDC-1A0D-48FC-8992-8667956A2A06}" type="datetimeFigureOut">
               <a:rPr lang="es-ES" smtClean="0"/>
-              <a:t>15/09/2022</a:t>
+              <a:t>19/09/2022</a:t>
             </a:fld>
             <a:endParaRPr lang="es-ES"/>
           </a:p>
@@ -5834,7 +5834,7 @@
           <a:p>
             <a:fld id="{0B7BBFDC-1A0D-48FC-8992-8667956A2A06}" type="datetimeFigureOut">
               <a:rPr lang="es-ES" smtClean="0"/>
-              <a:t>15/09/2022</a:t>
+              <a:t>19/09/2022</a:t>
             </a:fld>
             <a:endParaRPr lang="es-ES"/>
           </a:p>
@@ -6246,7 +6246,7 @@
           <a:p>
             <a:fld id="{0B7BBFDC-1A0D-48FC-8992-8667956A2A06}" type="datetimeFigureOut">
               <a:rPr lang="es-ES" smtClean="0"/>
-              <a:t>15/09/2022</a:t>
+              <a:t>19/09/2022</a:t>
             </a:fld>
             <a:endParaRPr lang="es-ES"/>
           </a:p>
@@ -6387,7 +6387,7 @@
           <a:p>
             <a:fld id="{0B7BBFDC-1A0D-48FC-8992-8667956A2A06}" type="datetimeFigureOut">
               <a:rPr lang="es-ES" smtClean="0"/>
-              <a:t>15/09/2022</a:t>
+              <a:t>19/09/2022</a:t>
             </a:fld>
             <a:endParaRPr lang="es-ES"/>
           </a:p>
@@ -6500,7 +6500,7 @@
           <a:p>
             <a:fld id="{0B7BBFDC-1A0D-48FC-8992-8667956A2A06}" type="datetimeFigureOut">
               <a:rPr lang="es-ES" smtClean="0"/>
-              <a:t>15/09/2022</a:t>
+              <a:t>19/09/2022</a:t>
             </a:fld>
             <a:endParaRPr lang="es-ES"/>
           </a:p>
@@ -6811,7 +6811,7 @@
           <a:p>
             <a:fld id="{0B7BBFDC-1A0D-48FC-8992-8667956A2A06}" type="datetimeFigureOut">
               <a:rPr lang="es-ES" smtClean="0"/>
-              <a:t>15/09/2022</a:t>
+              <a:t>19/09/2022</a:t>
             </a:fld>
             <a:endParaRPr lang="es-ES"/>
           </a:p>
@@ -7099,7 +7099,7 @@
           <a:p>
             <a:fld id="{0B7BBFDC-1A0D-48FC-8992-8667956A2A06}" type="datetimeFigureOut">
               <a:rPr lang="es-ES" smtClean="0"/>
-              <a:t>15/09/2022</a:t>
+              <a:t>19/09/2022</a:t>
             </a:fld>
             <a:endParaRPr lang="es-ES"/>
           </a:p>
@@ -7340,7 +7340,7 @@
           <a:p>
             <a:fld id="{0B7BBFDC-1A0D-48FC-8992-8667956A2A06}" type="datetimeFigureOut">
               <a:rPr lang="es-ES" smtClean="0"/>
-              <a:t>15/09/2022</a:t>
+              <a:t>19/09/2022</a:t>
             </a:fld>
             <a:endParaRPr lang="es-ES"/>
           </a:p>
@@ -10757,10 +10757,10 @@
       </p:pic>
       <p:pic>
         <p:nvPicPr>
-          <p:cNvPr id="8" name="Imagen 7">
+          <p:cNvPr id="4" name="Imagen 3">
             <a:extLst>
               <a:ext uri="{FF2B5EF4-FFF2-40B4-BE49-F238E27FC236}">
-                <a16:creationId xmlns:a16="http://schemas.microsoft.com/office/drawing/2014/main" id="{5FB46BAD-234B-4479-7FFC-44DF0720A969}"/>
+                <a16:creationId xmlns:a16="http://schemas.microsoft.com/office/drawing/2014/main" id="{A9535573-CEDF-423E-B819-4A1FFE9C3657}"/>
               </a:ext>
             </a:extLst>
           </p:cNvPr>
@@ -10769,31 +10769,21 @@
           </p:cNvPicPr>
           <p:nvPr/>
         </p:nvPicPr>
-        <p:blipFill>
+        <p:blipFill rotWithShape="1">
           <a:blip r:embed="rId5">
             <a:extLst>
-              <a:ext uri="{BEBA8EAE-BF5A-486C-A8C5-ECC9F3942E4B}">
-                <a14:imgProps xmlns:a14="http://schemas.microsoft.com/office/drawing/2010/main">
-                  <a14:imgLayer r:embed="rId6">
-                    <a14:imgEffect>
-                      <a14:backgroundRemoval t="2000" b="96222" l="4412" r="100000"/>
-                    </a14:imgEffect>
-                  </a14:imgLayer>
-                </a14:imgProps>
-              </a:ext>
               <a:ext uri="{28A0092B-C50C-407E-A947-70E740481C1C}">
                 <a14:useLocalDpi xmlns:a14="http://schemas.microsoft.com/office/drawing/2010/main" val="0"/>
               </a:ext>
             </a:extLst>
           </a:blip>
-          <a:stretch>
-            <a:fillRect/>
-          </a:stretch>
+          <a:srcRect l="23348" r="28328" b="47948"/>
+          <a:stretch/>
         </p:blipFill>
         <p:spPr>
-          <a:xfrm>
-            <a:off x="9962748" y="4549458"/>
-            <a:ext cx="1994168" cy="2199450"/>
+          <a:xfrm flipH="1">
+            <a:off x="10291961" y="2381984"/>
+            <a:ext cx="2230018" cy="2402057"/>
           </a:xfrm>
           <a:prstGeom prst="rect">
             <a:avLst/>
@@ -11316,10 +11306,10 @@
       </p:pic>
       <p:pic>
         <p:nvPicPr>
-          <p:cNvPr id="8" name="Imagen 7">
+          <p:cNvPr id="4" name="Imagen 3">
             <a:extLst>
               <a:ext uri="{FF2B5EF4-FFF2-40B4-BE49-F238E27FC236}">
-                <a16:creationId xmlns:a16="http://schemas.microsoft.com/office/drawing/2014/main" id="{37519541-A621-D09B-3DFE-A9BE4B01D47A}"/>
+                <a16:creationId xmlns:a16="http://schemas.microsoft.com/office/drawing/2014/main" id="{9301298E-5E30-B4CE-3058-2AA2C32F19D7}"/>
               </a:ext>
             </a:extLst>
           </p:cNvPr>
@@ -11328,31 +11318,21 @@
           </p:cNvPicPr>
           <p:nvPr/>
         </p:nvPicPr>
-        <p:blipFill>
+        <p:blipFill rotWithShape="1">
           <a:blip r:embed="rId5">
             <a:extLst>
-              <a:ext uri="{BEBA8EAE-BF5A-486C-A8C5-ECC9F3942E4B}">
-                <a14:imgProps xmlns:a14="http://schemas.microsoft.com/office/drawing/2010/main">
-                  <a14:imgLayer r:embed="rId6">
-                    <a14:imgEffect>
-                      <a14:backgroundRemoval t="2000" b="96222" l="4412" r="100000"/>
-                    </a14:imgEffect>
-                  </a14:imgLayer>
-                </a14:imgProps>
-              </a:ext>
               <a:ext uri="{28A0092B-C50C-407E-A947-70E740481C1C}">
                 <a14:useLocalDpi xmlns:a14="http://schemas.microsoft.com/office/drawing/2010/main" val="0"/>
               </a:ext>
             </a:extLst>
           </a:blip>
-          <a:stretch>
-            <a:fillRect/>
-          </a:stretch>
+          <a:srcRect l="23348" r="28328" b="47948"/>
+          <a:stretch/>
         </p:blipFill>
         <p:spPr>
-          <a:xfrm>
-            <a:off x="9962748" y="4549458"/>
-            <a:ext cx="1994168" cy="2199450"/>
+          <a:xfrm flipH="1">
+            <a:off x="10245805" y="4291063"/>
+            <a:ext cx="2230018" cy="2402057"/>
           </a:xfrm>
           <a:prstGeom prst="rect">
             <a:avLst/>
@@ -12489,31 +12469,21 @@
           </p:cNvPicPr>
           <p:nvPr/>
         </p:nvPicPr>
-        <p:blipFill>
+        <p:blipFill rotWithShape="1">
           <a:blip r:embed="rId5">
             <a:extLst>
-              <a:ext uri="{BEBA8EAE-BF5A-486C-A8C5-ECC9F3942E4B}">
-                <a14:imgProps xmlns:a14="http://schemas.microsoft.com/office/drawing/2010/main">
-                  <a14:imgLayer r:embed="rId6">
-                    <a14:imgEffect>
-                      <a14:backgroundRemoval t="2000" b="96222" l="4412" r="100000"/>
-                    </a14:imgEffect>
-                  </a14:imgLayer>
-                </a14:imgProps>
-              </a:ext>
               <a:ext uri="{28A0092B-C50C-407E-A947-70E740481C1C}">
                 <a14:useLocalDpi xmlns:a14="http://schemas.microsoft.com/office/drawing/2010/main" val="0"/>
               </a:ext>
             </a:extLst>
           </a:blip>
-          <a:stretch>
-            <a:fillRect/>
-          </a:stretch>
+          <a:srcRect l="23348" r="28328" b="47948"/>
+          <a:stretch/>
         </p:blipFill>
         <p:spPr>
-          <a:xfrm>
-            <a:off x="8552298" y="2869660"/>
-            <a:ext cx="2780423" cy="3066643"/>
+          <a:xfrm flipH="1">
+            <a:off x="9339940" y="3441978"/>
+            <a:ext cx="2230018" cy="2402057"/>
           </a:xfrm>
           <a:prstGeom prst="rect">
             <a:avLst/>
@@ -13008,10 +12978,10 @@
       </p:pic>
       <p:pic>
         <p:nvPicPr>
-          <p:cNvPr id="7" name="Imagen 6">
+          <p:cNvPr id="3" name="Imagen 2">
             <a:extLst>
               <a:ext uri="{FF2B5EF4-FFF2-40B4-BE49-F238E27FC236}">
-                <a16:creationId xmlns:a16="http://schemas.microsoft.com/office/drawing/2014/main" id="{9913CCBF-E9EE-808A-76F2-35C8A9417029}"/>
+                <a16:creationId xmlns:a16="http://schemas.microsoft.com/office/drawing/2014/main" id="{8F6CE41C-95CE-0333-58E1-C30B35DBFCD9}"/>
               </a:ext>
             </a:extLst>
           </p:cNvPr>
@@ -13020,31 +12990,21 @@
           </p:cNvPicPr>
           <p:nvPr/>
         </p:nvPicPr>
-        <p:blipFill>
+        <p:blipFill rotWithShape="1">
           <a:blip r:embed="rId4">
             <a:extLst>
-              <a:ext uri="{BEBA8EAE-BF5A-486C-A8C5-ECC9F3942E4B}">
-                <a14:imgProps xmlns:a14="http://schemas.microsoft.com/office/drawing/2010/main">
-                  <a14:imgLayer r:embed="rId5">
-                    <a14:imgEffect>
-                      <a14:backgroundRemoval t="2000" b="96222" l="4412" r="100000"/>
-                    </a14:imgEffect>
-                  </a14:imgLayer>
-                </a14:imgProps>
-              </a:ext>
               <a:ext uri="{28A0092B-C50C-407E-A947-70E740481C1C}">
                 <a14:useLocalDpi xmlns:a14="http://schemas.microsoft.com/office/drawing/2010/main" val="0"/>
               </a:ext>
             </a:extLst>
           </a:blip>
-          <a:stretch>
-            <a:fillRect/>
-          </a:stretch>
+          <a:srcRect l="23348" r="28328" b="47948"/>
+          <a:stretch/>
         </p:blipFill>
         <p:spPr>
-          <a:xfrm>
-            <a:off x="9921868" y="55279"/>
-            <a:ext cx="1994168" cy="2199450"/>
+          <a:xfrm flipH="1">
+            <a:off x="9834464" y="-103096"/>
+            <a:ext cx="2106581" cy="2269097"/>
           </a:xfrm>
           <a:prstGeom prst="rect">
             <a:avLst/>
@@ -15464,51 +15424,6 @@
           </a:prstGeom>
         </p:spPr>
       </p:pic>
-      <p:pic>
-        <p:nvPicPr>
-          <p:cNvPr id="8" name="Imagen 7">
-            <a:extLst>
-              <a:ext uri="{FF2B5EF4-FFF2-40B4-BE49-F238E27FC236}">
-                <a16:creationId xmlns:a16="http://schemas.microsoft.com/office/drawing/2014/main" id="{53E1A10F-E930-BC4A-2BCF-48AF37D46E82}"/>
-              </a:ext>
-            </a:extLst>
-          </p:cNvPr>
-          <p:cNvPicPr>
-            <a:picLocks noChangeAspect="1"/>
-          </p:cNvPicPr>
-          <p:nvPr/>
-        </p:nvPicPr>
-        <p:blipFill>
-          <a:blip r:embed="rId4">
-            <a:extLst>
-              <a:ext uri="{BEBA8EAE-BF5A-486C-A8C5-ECC9F3942E4B}">
-                <a14:imgProps xmlns:a14="http://schemas.microsoft.com/office/drawing/2010/main">
-                  <a14:imgLayer r:embed="rId5">
-                    <a14:imgEffect>
-                      <a14:backgroundRemoval t="2000" b="96222" l="4412" r="100000"/>
-                    </a14:imgEffect>
-                  </a14:imgLayer>
-                </a14:imgProps>
-              </a:ext>
-              <a:ext uri="{28A0092B-C50C-407E-A947-70E740481C1C}">
-                <a14:useLocalDpi xmlns:a14="http://schemas.microsoft.com/office/drawing/2010/main" val="0"/>
-              </a:ext>
-            </a:extLst>
-          </a:blip>
-          <a:stretch>
-            <a:fillRect/>
-          </a:stretch>
-        </p:blipFill>
-        <p:spPr>
-          <a:xfrm>
-            <a:off x="9962748" y="4549458"/>
-            <a:ext cx="1994168" cy="2199450"/>
-          </a:xfrm>
-          <a:prstGeom prst="rect">
-            <a:avLst/>
-          </a:prstGeom>
-        </p:spPr>
-      </p:pic>
       <p:sp>
         <p:nvSpPr>
           <p:cNvPr id="9" name="Bocadillo nube: nube 8" descr="No se ve necesario, hay estacionalidad&#10;">
@@ -15528,8 +15443,8 @@
           </a:xfrm>
           <a:prstGeom prst="cloudCallout">
             <a:avLst>
-              <a:gd name="adj1" fmla="val 71900"/>
-              <a:gd name="adj2" fmla="val 74364"/>
+              <a:gd name="adj1" fmla="val 92809"/>
+              <a:gd name="adj2" fmla="val 35753"/>
             </a:avLst>
           </a:prstGeom>
           <a:noFill/>
@@ -15571,6 +15486,41 @@
           </a:p>
         </p:txBody>
       </p:sp>
+      <p:pic>
+        <p:nvPicPr>
+          <p:cNvPr id="3" name="Imagen 2">
+            <a:extLst>
+              <a:ext uri="{FF2B5EF4-FFF2-40B4-BE49-F238E27FC236}">
+                <a16:creationId xmlns:a16="http://schemas.microsoft.com/office/drawing/2014/main" id="{8AD61DB1-6515-BF0C-E01D-883EA72B7111}"/>
+              </a:ext>
+            </a:extLst>
+          </p:cNvPr>
+          <p:cNvPicPr>
+            <a:picLocks noChangeAspect="1"/>
+          </p:cNvPicPr>
+          <p:nvPr/>
+        </p:nvPicPr>
+        <p:blipFill rotWithShape="1">
+          <a:blip r:embed="rId4">
+            <a:extLst>
+              <a:ext uri="{28A0092B-C50C-407E-A947-70E740481C1C}">
+                <a14:useLocalDpi xmlns:a14="http://schemas.microsoft.com/office/drawing/2010/main" val="0"/>
+              </a:ext>
+            </a:extLst>
+          </a:blip>
+          <a:srcRect l="23348" r="28328" b="47948"/>
+          <a:stretch/>
+        </p:blipFill>
+        <p:spPr>
+          <a:xfrm flipH="1">
+            <a:off x="10179695" y="4029806"/>
+            <a:ext cx="2230018" cy="2402057"/>
+          </a:xfrm>
+          <a:prstGeom prst="rect">
+            <a:avLst/>
+          </a:prstGeom>
+        </p:spPr>
+      </p:pic>
     </p:spTree>
     <p:extLst>
       <p:ext uri="{BB962C8B-B14F-4D97-AF65-F5344CB8AC3E}">
